--- a/_ng.pptx
+++ b/_ng.pptx
@@ -5,7 +5,7 @@
     <p:sldMasterId id="2147483756" r:id="rId1"/>
   </p:sldMasterIdLst>
   <p:notesMasterIdLst>
-    <p:notesMasterId r:id="rId22"/>
+    <p:notesMasterId r:id="rId25"/>
   </p:notesMasterIdLst>
   <p:sldIdLst>
     <p:sldId id="256" r:id="rId2"/>
@@ -15,19 +15,22 @@
     <p:sldId id="260" r:id="rId6"/>
     <p:sldId id="261" r:id="rId7"/>
     <p:sldId id="262" r:id="rId8"/>
-    <p:sldId id="264" r:id="rId9"/>
+    <p:sldId id="266" r:id="rId9"/>
     <p:sldId id="265" r:id="rId10"/>
-    <p:sldId id="266" r:id="rId11"/>
-    <p:sldId id="263" r:id="rId12"/>
-    <p:sldId id="269" r:id="rId13"/>
-    <p:sldId id="270" r:id="rId14"/>
-    <p:sldId id="271" r:id="rId15"/>
-    <p:sldId id="267" r:id="rId16"/>
-    <p:sldId id="268" r:id="rId17"/>
-    <p:sldId id="272" r:id="rId18"/>
-    <p:sldId id="273" r:id="rId19"/>
-    <p:sldId id="275" r:id="rId20"/>
-    <p:sldId id="274" r:id="rId21"/>
+    <p:sldId id="264" r:id="rId11"/>
+    <p:sldId id="273" r:id="rId12"/>
+    <p:sldId id="275" r:id="rId13"/>
+    <p:sldId id="263" r:id="rId14"/>
+    <p:sldId id="269" r:id="rId15"/>
+    <p:sldId id="270" r:id="rId16"/>
+    <p:sldId id="271" r:id="rId17"/>
+    <p:sldId id="267" r:id="rId18"/>
+    <p:sldId id="277" r:id="rId19"/>
+    <p:sldId id="278" r:id="rId20"/>
+    <p:sldId id="268" r:id="rId21"/>
+    <p:sldId id="272" r:id="rId22"/>
+    <p:sldId id="274" r:id="rId23"/>
+    <p:sldId id="276" r:id="rId24"/>
   </p:sldIdLst>
   <p:sldSz cx="9144000" cy="6858000" type="screen4x3"/>
   <p:notesSz cx="6858000" cy="9144000"/>
@@ -212,7 +215,7 @@
             <a:fld id="{1C90AF27-00C5-4421-8C7C-BC8263891BC5}" type="datetimeFigureOut">
               <a:rPr lang="fr-FR" smtClean="0"/>
               <a:pPr/>
-              <a:t>09/01/2016</a:t>
+              <a:t>04/06/2016</a:t>
             </a:fld>
             <a:endParaRPr lang="fr-FR"/>
           </a:p>
@@ -381,7 +384,7 @@
     </p:spTree>
     <p:extLst>
       <p:ext uri="{BB962C8B-B14F-4D97-AF65-F5344CB8AC3E}">
-        <p14:creationId xmlns:p14="http://schemas.microsoft.com/office/powerpoint/2010/main" xmlns="" val="3332007710"/>
+        <p14:creationId xmlns="" xmlns:p14="http://schemas.microsoft.com/office/powerpoint/2010/main" val="3332007710"/>
       </p:ext>
     </p:extLst>
   </p:cSld>
@@ -547,7 +550,7 @@
             <a:fld id="{E2E3A85E-BE3D-46C6-B14B-ECBFF62A8BDF}" type="slidenum">
               <a:rPr lang="fr-FR" smtClean="0"/>
               <a:pPr/>
-              <a:t>13</a:t>
+              <a:t>15</a:t>
             </a:fld>
             <a:endParaRPr lang="fr-FR"/>
           </a:p>
@@ -556,7 +559,7 @@
     </p:spTree>
     <p:extLst>
       <p:ext uri="{BB962C8B-B14F-4D97-AF65-F5344CB8AC3E}">
-        <p14:creationId xmlns:p14="http://schemas.microsoft.com/office/powerpoint/2010/main" xmlns="" val="1282085010"/>
+        <p14:creationId xmlns="" xmlns:p14="http://schemas.microsoft.com/office/powerpoint/2010/main" val="1282085010"/>
       </p:ext>
     </p:extLst>
   </p:cSld>
@@ -640,7 +643,7 @@
             <a:fld id="{E2E3A85E-BE3D-46C6-B14B-ECBFF62A8BDF}" type="slidenum">
               <a:rPr lang="fr-FR" smtClean="0"/>
               <a:pPr/>
-              <a:t>14</a:t>
+              <a:t>16</a:t>
             </a:fld>
             <a:endParaRPr lang="fr-FR"/>
           </a:p>
@@ -649,7 +652,7 @@
     </p:spTree>
     <p:extLst>
       <p:ext uri="{BB962C8B-B14F-4D97-AF65-F5344CB8AC3E}">
-        <p14:creationId xmlns:p14="http://schemas.microsoft.com/office/powerpoint/2010/main" xmlns="" val="1682031015"/>
+        <p14:creationId xmlns="" xmlns:p14="http://schemas.microsoft.com/office/powerpoint/2010/main" val="1682031015"/>
       </p:ext>
     </p:extLst>
   </p:cSld>
@@ -727,7 +730,7 @@
             <a:fld id="{E2E3A85E-BE3D-46C6-B14B-ECBFF62A8BDF}" type="slidenum">
               <a:rPr lang="fr-FR" smtClean="0"/>
               <a:pPr/>
-              <a:t>16</a:t>
+              <a:t>20</a:t>
             </a:fld>
             <a:endParaRPr lang="fr-FR"/>
           </a:p>
@@ -915,7 +918,7 @@
             <a:fld id="{3A5C4CF9-3752-4832-A3D2-E6B96D103613}" type="datetimeFigureOut">
               <a:rPr lang="fr-FR" smtClean="0"/>
               <a:pPr/>
-              <a:t>09/01/2016</a:t>
+              <a:t>04/06/2016</a:t>
             </a:fld>
             <a:endParaRPr lang="fr-FR"/>
           </a:p>
@@ -1082,7 +1085,7 @@
             <a:fld id="{3A5C4CF9-3752-4832-A3D2-E6B96D103613}" type="datetimeFigureOut">
               <a:rPr lang="fr-FR" smtClean="0"/>
               <a:pPr/>
-              <a:t>09/01/2016</a:t>
+              <a:t>04/06/2016</a:t>
             </a:fld>
             <a:endParaRPr lang="fr-FR"/>
           </a:p>
@@ -1259,7 +1262,7 @@
             <a:fld id="{3A5C4CF9-3752-4832-A3D2-E6B96D103613}" type="datetimeFigureOut">
               <a:rPr lang="fr-FR" smtClean="0"/>
               <a:pPr/>
-              <a:t>09/01/2016</a:t>
+              <a:t>04/06/2016</a:t>
             </a:fld>
             <a:endParaRPr lang="fr-FR"/>
           </a:p>
@@ -1426,7 +1429,7 @@
             <a:fld id="{3A5C4CF9-3752-4832-A3D2-E6B96D103613}" type="datetimeFigureOut">
               <a:rPr lang="fr-FR" smtClean="0"/>
               <a:pPr/>
-              <a:t>09/01/2016</a:t>
+              <a:t>04/06/2016</a:t>
             </a:fld>
             <a:endParaRPr lang="fr-FR"/>
           </a:p>
@@ -1670,7 +1673,7 @@
             <a:fld id="{3A5C4CF9-3752-4832-A3D2-E6B96D103613}" type="datetimeFigureOut">
               <a:rPr lang="fr-FR" smtClean="0"/>
               <a:pPr/>
-              <a:t>09/01/2016</a:t>
+              <a:t>04/06/2016</a:t>
             </a:fld>
             <a:endParaRPr lang="fr-FR"/>
           </a:p>
@@ -1936,7 +1939,7 @@
             <a:fld id="{3A5C4CF9-3752-4832-A3D2-E6B96D103613}" type="datetimeFigureOut">
               <a:rPr lang="fr-FR" smtClean="0"/>
               <a:pPr/>
-              <a:t>09/01/2016</a:t>
+              <a:t>04/06/2016</a:t>
             </a:fld>
             <a:endParaRPr lang="fr-FR"/>
           </a:p>
@@ -2316,7 +2319,7 @@
             <a:fld id="{3A5C4CF9-3752-4832-A3D2-E6B96D103613}" type="datetimeFigureOut">
               <a:rPr lang="fr-FR" smtClean="0"/>
               <a:pPr/>
-              <a:t>09/01/2016</a:t>
+              <a:t>04/06/2016</a:t>
             </a:fld>
             <a:endParaRPr lang="fr-FR"/>
           </a:p>
@@ -2468,7 +2471,7 @@
             <a:fld id="{3A5C4CF9-3752-4832-A3D2-E6B96D103613}" type="datetimeFigureOut">
               <a:rPr lang="fr-FR" smtClean="0"/>
               <a:pPr/>
-              <a:t>09/01/2016</a:t>
+              <a:t>04/06/2016</a:t>
             </a:fld>
             <a:endParaRPr lang="fr-FR"/>
           </a:p>
@@ -2560,7 +2563,7 @@
             <a:fld id="{3A5C4CF9-3752-4832-A3D2-E6B96D103613}" type="datetimeFigureOut">
               <a:rPr lang="fr-FR" smtClean="0"/>
               <a:pPr/>
-              <a:t>09/01/2016</a:t>
+              <a:t>04/06/2016</a:t>
             </a:fld>
             <a:endParaRPr lang="fr-FR"/>
           </a:p>
@@ -2823,7 +2826,7 @@
             <a:fld id="{3A5C4CF9-3752-4832-A3D2-E6B96D103613}" type="datetimeFigureOut">
               <a:rPr lang="fr-FR" smtClean="0"/>
               <a:pPr/>
-              <a:t>09/01/2016</a:t>
+              <a:t>04/06/2016</a:t>
             </a:fld>
             <a:endParaRPr lang="fr-FR"/>
           </a:p>
@@ -3113,7 +3116,7 @@
             <a:fld id="{3A5C4CF9-3752-4832-A3D2-E6B96D103613}" type="datetimeFigureOut">
               <a:rPr lang="fr-FR" smtClean="0"/>
               <a:pPr/>
-              <a:t>09/01/2016</a:t>
+              <a:t>04/06/2016</a:t>
             </a:fld>
             <a:endParaRPr lang="fr-FR"/>
           </a:p>
@@ -3886,7 +3889,7 @@
             <a:fld id="{3A5C4CF9-3752-4832-A3D2-E6B96D103613}" type="datetimeFigureOut">
               <a:rPr lang="fr-FR" smtClean="0"/>
               <a:pPr/>
-              <a:t>09/01/2016</a:t>
+              <a:t>04/06/2016</a:t>
             </a:fld>
             <a:endParaRPr lang="fr-FR"/>
           </a:p>
@@ -4653,7 +4656,117 @@
           <a:p>
             <a:r>
               <a:rPr lang="fr-FR" dirty="0" smtClean="0"/>
-              <a:t>Modules</a:t>
+              <a:t>Expressions</a:t>
+            </a:r>
+            <a:endParaRPr lang="fr-FR" dirty="0"/>
+          </a:p>
+        </p:txBody>
+      </p:sp>
+      <p:sp>
+        <p:nvSpPr>
+          <p:cNvPr id="3" name="Espace réservé du contenu 2"/>
+          <p:cNvSpPr>
+            <a:spLocks noGrp="1"/>
+          </p:cNvSpPr>
+          <p:nvPr>
+            <p:ph idx="1"/>
+          </p:nvPr>
+        </p:nvSpPr>
+        <p:spPr/>
+        <p:txBody>
+          <a:bodyPr>
+            <a:normAutofit/>
+          </a:bodyPr>
+          <a:lstStyle/>
+          <a:p>
+            <a:r>
+              <a:rPr lang="fr-FR" dirty="0" smtClean="0"/>
+              <a:t>C’est une expression </a:t>
+            </a:r>
+            <a:r>
+              <a:rPr lang="fr-FR" dirty="0" err="1" smtClean="0"/>
+              <a:t>javascript</a:t>
+            </a:r>
+            <a:r>
+              <a:rPr lang="fr-FR" dirty="0" smtClean="0"/>
+              <a:t> exprimée entre {{…}} dans la vue (HTML) .</a:t>
+            </a:r>
+          </a:p>
+          <a:p>
+            <a:r>
+              <a:rPr lang="fr-FR" dirty="0" smtClean="0"/>
+              <a:t>Peux être placer partout dans le DOM de la vue.</a:t>
+            </a:r>
+          </a:p>
+          <a:p>
+            <a:pPr>
+              <a:buNone/>
+            </a:pPr>
+            <a:r>
+              <a:rPr lang="fr-FR" dirty="0" smtClean="0">
+                <a:solidFill>
+                  <a:srgbClr val="0070C0"/>
+                </a:solidFill>
+              </a:rPr>
+              <a:t>&lt;tag </a:t>
+            </a:r>
+            <a:r>
+              <a:rPr lang="fr-FR" dirty="0" err="1" smtClean="0">
+                <a:solidFill>
+                  <a:srgbClr val="0070C0"/>
+                </a:solidFill>
+              </a:rPr>
+              <a:t>attr</a:t>
+            </a:r>
+            <a:r>
+              <a:rPr lang="fr-FR" dirty="0" smtClean="0">
+                <a:solidFill>
+                  <a:srgbClr val="0070C0"/>
+                </a:solidFill>
+              </a:rPr>
+              <a:t>="{{Expression</a:t>
+            </a:r>
+            <a:r>
+              <a:rPr lang="fr-FR" dirty="0" smtClean="0">
+                <a:solidFill>
+                  <a:srgbClr val="0070C0"/>
+                </a:solidFill>
+              </a:rPr>
+              <a:t>}}"&gt;{{</a:t>
+            </a:r>
+            <a:r>
+              <a:rPr lang="fr-FR" dirty="0" smtClean="0">
+                <a:solidFill>
+                  <a:srgbClr val="0070C0"/>
+                </a:solidFill>
+              </a:rPr>
+              <a:t>Expression}}&lt;/</a:t>
+            </a:r>
+            <a:r>
+              <a:rPr lang="fr-FR" dirty="0" smtClean="0">
+                <a:solidFill>
+                  <a:srgbClr val="0070C0"/>
+                </a:solidFill>
+              </a:rPr>
+              <a:t>tag&gt;</a:t>
+            </a:r>
+          </a:p>
+          <a:p>
+            <a:endParaRPr lang="fr-FR" dirty="0" smtClean="0"/>
+          </a:p>
+          <a:p>
+            <a:endParaRPr lang="fr-FR" dirty="0" smtClean="0"/>
+          </a:p>
+          <a:p>
+            <a:endParaRPr lang="fr-FR" dirty="0" smtClean="0"/>
+          </a:p>
+          <a:p>
+            <a:endParaRPr lang="fr-FR" dirty="0" smtClean="0"/>
+          </a:p>
+          <a:p>
+            <a:r>
+              <a:rPr lang="fr-FR" dirty="0" smtClean="0"/>
+              <a:t>https://docs.angularjs.org/guide/expression</a:t>
             </a:r>
             <a:endParaRPr lang="fr-FR" dirty="0"/>
           </a:p>
@@ -4661,43 +4774,14 @@
       </p:sp>
       <p:pic>
         <p:nvPicPr>
-          <p:cNvPr id="6" name="Espace réservé du contenu 5"/>
-          <p:cNvPicPr>
-            <a:picLocks noGrp="1" noChangeAspect="1"/>
-          </p:cNvPicPr>
-          <p:nvPr>
-            <p:ph idx="1"/>
-          </p:nvPr>
-        </p:nvPicPr>
-        <p:blipFill>
-          <a:blip r:embed="rId2" cstate="print">
-            <a:extLst>
-              <a:ext uri="{28A0092B-C50C-407E-A947-70E740481C1C}">
-                <a14:useLocalDpi xmlns:a14="http://schemas.microsoft.com/office/drawing/2010/main" xmlns="" val="0"/>
-              </a:ext>
-            </a:extLst>
-          </a:blip>
-          <a:stretch>
-            <a:fillRect/>
-          </a:stretch>
-        </p:blipFill>
-        <p:spPr>
-          <a:xfrm>
-            <a:off x="2120610" y="3019095"/>
-            <a:ext cx="4902780" cy="2221572"/>
-          </a:xfrm>
-        </p:spPr>
-      </p:pic>
-      <p:pic>
-        <p:nvPicPr>
-          <p:cNvPr id="5" name="Picture 2" descr="C:\Users\YA12ADAN\Desktop\angular\angularjs_logo.png"/>
+          <p:cNvPr id="4" name="Picture 2" descr="C:\Users\YA12ADAN\Desktop\angular\angularjs_logo.png"/>
           <p:cNvPicPr>
             <a:picLocks noChangeAspect="1" noChangeArrowheads="1"/>
           </p:cNvPicPr>
           <p:nvPr/>
         </p:nvPicPr>
         <p:blipFill>
-          <a:blip r:embed="rId3" cstate="print"/>
+          <a:blip r:embed="rId2" cstate="print"/>
           <a:srcRect/>
           <a:stretch>
             <a:fillRect/>
@@ -4716,14 +4800,14 @@
       </p:pic>
       <p:pic>
         <p:nvPicPr>
-          <p:cNvPr id="8" name="Picture 2" descr="c:\users\moi\Desktop\maestro.png"/>
+          <p:cNvPr id="6" name="Picture 2" descr="c:\users\moi\Desktop\maestro.png"/>
           <p:cNvPicPr>
             <a:picLocks noChangeAspect="1" noChangeArrowheads="1"/>
           </p:cNvPicPr>
           <p:nvPr/>
         </p:nvPicPr>
         <p:blipFill>
-          <a:blip r:embed="rId4"/>
+          <a:blip r:embed="rId3"/>
           <a:srcRect/>
           <a:stretch>
             <a:fillRect/>
@@ -4789,7 +4873,7 @@
           <a:p>
             <a:r>
               <a:rPr lang="fr-FR" dirty="0" smtClean="0"/>
-              <a:t>Directives (1)</a:t>
+              <a:t>Filtres</a:t>
             </a:r>
             <a:endParaRPr lang="fr-FR" dirty="0"/>
           </a:p>
@@ -4807,73 +4891,26 @@
         </p:nvSpPr>
         <p:spPr/>
         <p:txBody>
-          <a:bodyPr>
-            <a:normAutofit/>
-          </a:bodyPr>
+          <a:bodyPr/>
           <a:lstStyle/>
           <a:p>
             <a:r>
               <a:rPr lang="fr-FR" dirty="0" smtClean="0"/>
-              <a:t>C’est une extension du syntaxe HTML.</a:t>
-            </a:r>
-          </a:p>
-          <a:p>
-            <a:r>
-              <a:rPr lang="fr-FR" dirty="0" smtClean="0"/>
-              <a:t>Les directives sont directement </a:t>
-            </a:r>
-            <a:r>
-              <a:rPr lang="fr-FR" dirty="0" smtClean="0"/>
-              <a:t>insérées </a:t>
-            </a:r>
-            <a:r>
-              <a:rPr lang="fr-FR" dirty="0" smtClean="0"/>
-              <a:t>dans le DOM.</a:t>
-            </a:r>
-          </a:p>
-          <a:p>
-            <a:r>
-              <a:rPr lang="fr-FR" dirty="0" smtClean="0"/>
-              <a:t>Les directives </a:t>
+              <a:t>Un Filtre permet de formater une expression.</a:t>
+            </a:r>
+          </a:p>
+          <a:p>
+            <a:r>
+              <a:rPr lang="fr-FR" dirty="0" smtClean="0"/>
+              <a:t>Les filtres sont utilisés directement sur un </a:t>
             </a:r>
             <a:r>
               <a:rPr lang="fr-FR" dirty="0" err="1" smtClean="0"/>
-              <a:t>AngularJS</a:t>
-            </a:r>
-            <a:r>
-              <a:rPr lang="fr-FR" dirty="0" smtClean="0"/>
-              <a:t> sont toutes préfixées par </a:t>
-            </a:r>
-            <a:r>
-              <a:rPr lang="fr-FR" dirty="0" err="1" smtClean="0"/>
-              <a:t>ng</a:t>
-            </a:r>
-            <a:r>
-              <a:rPr lang="fr-FR" dirty="0" smtClean="0"/>
-              <a:t>-.</a:t>
-            </a:r>
-            <a:endParaRPr lang="fr-FR" dirty="0" smtClean="0">
-              <a:solidFill>
-                <a:srgbClr val="0070C0"/>
-              </a:solidFill>
-            </a:endParaRPr>
-          </a:p>
-          <a:p>
-            <a:r>
-              <a:rPr lang="fr-FR" dirty="0" err="1" smtClean="0"/>
-              <a:t>AngularJS</a:t>
-            </a:r>
-            <a:r>
-              <a:rPr lang="fr-FR" dirty="0" smtClean="0"/>
-              <a:t> permet </a:t>
-            </a:r>
-            <a:r>
-              <a:rPr lang="fr-FR" dirty="0" smtClean="0"/>
-              <a:t>aussi la </a:t>
-            </a:r>
-            <a:r>
-              <a:rPr lang="fr-FR" dirty="0" smtClean="0"/>
-              <a:t>création des directives personnalisées.</a:t>
+              <a:t>template</a:t>
+            </a:r>
+            <a:r>
+              <a:rPr lang="fr-FR" dirty="0" smtClean="0"/>
+              <a:t>.</a:t>
             </a:r>
           </a:p>
           <a:p>
@@ -4883,53 +4920,84 @@
             <a:r>
               <a:rPr lang="fr-FR" dirty="0" smtClean="0">
                 <a:solidFill>
-                  <a:srgbClr val="00B0F0"/>
-                </a:solidFill>
-              </a:rPr>
-              <a:t>&lt;tag </a:t>
-            </a:r>
-            <a:r>
-              <a:rPr lang="fr-FR" dirty="0" err="1" smtClean="0">
-                <a:solidFill>
-                  <a:srgbClr val="00B0F0"/>
-                </a:solidFill>
-              </a:rPr>
-              <a:t>ng</a:t>
-            </a:r>
-            <a:r>
-              <a:rPr lang="fr-FR" dirty="0" smtClean="0">
-                <a:solidFill>
-                  <a:srgbClr val="00B0F0"/>
-                </a:solidFill>
-              </a:rPr>
-              <a:t>-</a:t>
-            </a:r>
-            <a:r>
-              <a:rPr lang="fr-FR" dirty="0" smtClean="0">
-                <a:solidFill>
-                  <a:srgbClr val="00B0F0"/>
-                </a:solidFill>
-              </a:rPr>
-              <a:t>directive&gt;…&lt;/tag&gt;</a:t>
-            </a:r>
-            <a:endParaRPr lang="fr-FR" dirty="0" smtClean="0">
-              <a:solidFill>
-                <a:srgbClr val="00B0F0"/>
-              </a:solidFill>
-            </a:endParaRPr>
+                  <a:schemeClr val="accent1">
+                    <a:lumMod val="75000"/>
+                  </a:schemeClr>
+                </a:solidFill>
+              </a:rPr>
+              <a:t>{{ expression | filtre }}</a:t>
+            </a:r>
+          </a:p>
+          <a:p>
+            <a:r>
+              <a:rPr lang="fr-FR" dirty="0" smtClean="0"/>
+              <a:t>Plusieurs filtres peuvent être appliqués à une expressions (enchaînement de filtres).</a:t>
+            </a:r>
           </a:p>
           <a:p>
             <a:pPr>
               <a:buNone/>
             </a:pPr>
-            <a:endParaRPr lang="fr-FR" dirty="0" smtClean="0"/>
-          </a:p>
-          <a:p>
-            <a:r>
-              <a:rPr lang="fr-FR" dirty="0" smtClean="0"/>
-              <a:t>https://docs.angularjs.org/guide/directive</a:t>
-            </a:r>
-            <a:endParaRPr lang="fr-FR" dirty="0"/>
+            <a:r>
+              <a:rPr lang="fr-FR" dirty="0" smtClean="0">
+                <a:solidFill>
+                  <a:schemeClr val="accent1">
+                    <a:lumMod val="75000"/>
+                  </a:schemeClr>
+                </a:solidFill>
+              </a:rPr>
+              <a:t>{{ expression | filtre1 | filtre2 | ... }}</a:t>
+            </a:r>
+          </a:p>
+          <a:p>
+            <a:r>
+              <a:rPr lang="fr-FR" dirty="0" smtClean="0"/>
+              <a:t>Un filtre peut avoir plusieurs paramètres.</a:t>
+            </a:r>
+          </a:p>
+          <a:p>
+            <a:pPr>
+              <a:buNone/>
+            </a:pPr>
+            <a:r>
+              <a:rPr lang="fr-FR" dirty="0" smtClean="0">
+                <a:solidFill>
+                  <a:schemeClr val="accent1">
+                    <a:lumMod val="75000"/>
+                  </a:schemeClr>
+                </a:solidFill>
+              </a:rPr>
+              <a:t>{{ expression | </a:t>
+            </a:r>
+            <a:r>
+              <a:rPr lang="fr-FR" dirty="0" err="1" smtClean="0">
+                <a:solidFill>
+                  <a:schemeClr val="accent1">
+                    <a:lumMod val="75000"/>
+                  </a:schemeClr>
+                </a:solidFill>
+              </a:rPr>
+              <a:t>filtre:param1</a:t>
+            </a:r>
+            <a:r>
+              <a:rPr lang="fr-FR" dirty="0" smtClean="0">
+                <a:solidFill>
+                  <a:schemeClr val="accent1">
+                    <a:lumMod val="75000"/>
+                  </a:schemeClr>
+                </a:solidFill>
+              </a:rPr>
+              <a:t>:param2:... }}</a:t>
+            </a:r>
+          </a:p>
+          <a:p>
+            <a:pPr>
+              <a:buNone/>
+            </a:pPr>
+            <a:r>
+              <a:rPr lang="fr-FR" dirty="0" smtClean="0"/>
+              <a:t>https://docs.angularjs.org/guide/filter</a:t>
+            </a:r>
           </a:p>
         </p:txBody>
       </p:sp>
@@ -5033,8 +5101,8 @@
           <a:lstStyle/>
           <a:p>
             <a:r>
-              <a:rPr lang="fr-FR" dirty="0" smtClean="0"/>
-              <a:t>Directives (1)</a:t>
+              <a:rPr lang="fr-FR" dirty="0" err="1" smtClean="0"/>
+              <a:t>Filters</a:t>
             </a:r>
             <a:endParaRPr lang="fr-FR" dirty="0"/>
           </a:p>
@@ -5052,71 +5120,65 @@
         </p:nvSpPr>
         <p:spPr/>
         <p:txBody>
-          <a:bodyPr>
-            <a:normAutofit/>
-          </a:bodyPr>
+          <a:bodyPr/>
           <a:lstStyle/>
           <a:p>
             <a:r>
-              <a:rPr lang="fr-FR" dirty="0" err="1" smtClean="0">
-                <a:solidFill>
-                  <a:srgbClr val="0070C0"/>
-                </a:solidFill>
-              </a:rPr>
-              <a:t>ng-app</a:t>
-            </a:r>
-            <a:r>
-              <a:rPr lang="fr-FR" dirty="0" smtClean="0"/>
-              <a:t> : Définit la racine de l’application (module).</a:t>
-            </a:r>
-          </a:p>
-          <a:p>
-            <a:r>
-              <a:rPr lang="fr-FR" dirty="0" err="1" smtClean="0">
-                <a:solidFill>
-                  <a:srgbClr val="0070C0"/>
-                </a:solidFill>
-              </a:rPr>
-              <a:t>ng-init</a:t>
-            </a:r>
-            <a:r>
-              <a:rPr lang="fr-FR" dirty="0" smtClean="0"/>
-              <a:t> : Initialise une ou plusieurs données.</a:t>
-            </a:r>
-          </a:p>
-          <a:p>
-            <a:r>
-              <a:rPr lang="fr-FR" dirty="0" err="1" smtClean="0">
-                <a:solidFill>
-                  <a:srgbClr val="0070C0"/>
-                </a:solidFill>
-              </a:rPr>
-              <a:t>ng-bind</a:t>
+              <a:rPr lang="fr-FR" dirty="0" err="1" smtClean="0"/>
+              <a:t>uppercase</a:t>
+            </a:r>
+            <a:r>
+              <a:rPr lang="fr-FR" dirty="0" smtClean="0"/>
+              <a:t> / </a:t>
+            </a:r>
+            <a:r>
+              <a:rPr lang="fr-FR" dirty="0" err="1" smtClean="0"/>
+              <a:t>lowercase</a:t>
+            </a:r>
+            <a:endParaRPr lang="fr-FR" dirty="0" smtClean="0"/>
+          </a:p>
+          <a:p>
+            <a:r>
+              <a:rPr lang="fr-FR" dirty="0" err="1" smtClean="0"/>
+              <a:t>number</a:t>
             </a:r>
             <a:r>
               <a:rPr lang="fr-FR" dirty="0" smtClean="0"/>
               <a:t> : </a:t>
             </a:r>
             <a:r>
+              <a:rPr lang="fr-FR" dirty="0" smtClean="0"/>
+              <a:t>format</a:t>
+            </a:r>
+          </a:p>
+          <a:p>
+            <a:r>
               <a:rPr lang="fr-FR" dirty="0" err="1" smtClean="0"/>
-              <a:t>Binde</a:t>
-            </a:r>
-            <a:r>
-              <a:rPr lang="fr-FR" dirty="0" smtClean="0"/>
-              <a:t> le contenu d’un tag avec une donnée ou une expression.</a:t>
-            </a:r>
-          </a:p>
-          <a:p>
-            <a:r>
-              <a:rPr lang="fr-FR" dirty="0" err="1" smtClean="0">
-                <a:solidFill>
-                  <a:srgbClr val="0070C0"/>
-                </a:solidFill>
-              </a:rPr>
-              <a:t>ng-bind-template</a:t>
-            </a:r>
-            <a:r>
-              <a:rPr lang="fr-FR" dirty="0"/>
+              <a:t>currency</a:t>
+            </a:r>
+            <a:r>
+              <a:rPr lang="fr-FR" dirty="0" smtClean="0"/>
+              <a:t> : </a:t>
+            </a:r>
+            <a:r>
+              <a:rPr lang="fr-FR" dirty="0" smtClean="0"/>
+              <a:t>devise</a:t>
+            </a:r>
+            <a:endParaRPr lang="fr-FR" dirty="0" smtClean="0"/>
+          </a:p>
+          <a:p>
+            <a:r>
+              <a:rPr lang="fr-FR" dirty="0" smtClean="0"/>
+              <a:t>date : format</a:t>
+            </a:r>
+          </a:p>
+          <a:p>
+            <a:r>
+              <a:rPr lang="fr-FR" dirty="0" err="1" smtClean="0"/>
+              <a:t>filter</a:t>
+            </a:r>
+            <a:r>
+              <a:rPr lang="fr-FR" dirty="0" smtClean="0"/>
               <a:t> </a:t>
             </a:r>
             <a:r>
@@ -5124,116 +5186,59 @@
               <a:t>: </a:t>
             </a:r>
             <a:r>
-              <a:rPr lang="fr-FR" dirty="0" err="1"/>
-              <a:t>Binde</a:t>
-            </a:r>
-            <a:r>
-              <a:rPr lang="fr-FR" dirty="0"/>
-              <a:t> le contenu d’un tag </a:t>
-            </a:r>
-            <a:r>
-              <a:rPr lang="fr-FR" dirty="0" smtClean="0"/>
-              <a:t>avec un </a:t>
-            </a:r>
+              <a:rPr lang="fr-FR" dirty="0" smtClean="0"/>
+              <a:t>value</a:t>
+            </a:r>
+            <a:endParaRPr lang="fr-FR" dirty="0" smtClean="0"/>
+          </a:p>
+          <a:p>
             <a:r>
               <a:rPr lang="fr-FR" dirty="0" err="1" smtClean="0"/>
-              <a:t>template</a:t>
-            </a:r>
-            <a:r>
-              <a:rPr lang="fr-FR" dirty="0" smtClean="0"/>
-              <a:t> (un ou plusieurs expressions).</a:t>
-            </a:r>
-          </a:p>
-          <a:p>
-            <a:r>
-              <a:rPr lang="fr-FR" dirty="0" err="1" smtClean="0">
-                <a:solidFill>
-                  <a:srgbClr val="0070C0"/>
-                </a:solidFill>
-              </a:rPr>
-              <a:t>ng</a:t>
-            </a:r>
-            <a:r>
-              <a:rPr lang="fr-FR" dirty="0" smtClean="0">
-                <a:solidFill>
-                  <a:srgbClr val="0070C0"/>
-                </a:solidFill>
-              </a:rPr>
-              <a:t>-model </a:t>
-            </a:r>
-            <a:r>
-              <a:rPr lang="fr-FR" dirty="0"/>
-              <a:t>: </a:t>
-            </a:r>
-            <a:r>
-              <a:rPr lang="fr-FR" dirty="0" smtClean="0"/>
-              <a:t>permet de lier un INPUT, SELECT ou un TEXTAREA à une propriété du model.</a:t>
-            </a:r>
+              <a:t>orderBy</a:t>
+            </a:r>
+            <a:r>
+              <a:rPr lang="fr-FR" dirty="0" smtClean="0"/>
+              <a:t> : </a:t>
+            </a:r>
+            <a:r>
+              <a:rPr lang="fr-FR" dirty="0" err="1" smtClean="0"/>
+              <a:t>column</a:t>
+            </a:r>
+            <a:r>
+              <a:rPr lang="fr-FR" dirty="0" smtClean="0"/>
+              <a:t> : </a:t>
+            </a:r>
+            <a:r>
+              <a:rPr lang="fr-FR" dirty="0" err="1" smtClean="0"/>
+              <a:t>desc</a:t>
+            </a:r>
+            <a:endParaRPr lang="fr-FR" dirty="0" smtClean="0"/>
+          </a:p>
+          <a:p>
+            <a:r>
+              <a:rPr lang="fr-FR" dirty="0" err="1" smtClean="0"/>
+              <a:t>limitTo</a:t>
+            </a:r>
+            <a:r>
+              <a:rPr lang="fr-FR" dirty="0" smtClean="0"/>
+              <a:t> : </a:t>
+            </a:r>
+            <a:r>
+              <a:rPr lang="fr-FR" dirty="0" err="1" smtClean="0"/>
+              <a:t>start</a:t>
+            </a:r>
+            <a:r>
+              <a:rPr lang="fr-FR" dirty="0" smtClean="0"/>
+              <a:t> : count</a:t>
+            </a:r>
+            <a:endParaRPr lang="fr-FR" dirty="0" smtClean="0"/>
+          </a:p>
+          <a:p>
             <a:endParaRPr lang="fr-FR" dirty="0"/>
           </a:p>
-          <a:p>
-            <a:endParaRPr lang="fr-FR" dirty="0"/>
-          </a:p>
-        </p:txBody>
-      </p:sp>
-      <p:pic>
-        <p:nvPicPr>
-          <p:cNvPr id="4" name="Picture 2" descr="C:\Users\YA12ADAN\Desktop\angular\angularjs_logo.png"/>
-          <p:cNvPicPr>
-            <a:picLocks noChangeAspect="1" noChangeArrowheads="1"/>
-          </p:cNvPicPr>
-          <p:nvPr/>
-        </p:nvPicPr>
-        <p:blipFill>
-          <a:blip r:embed="rId2" cstate="print"/>
-          <a:srcRect/>
-          <a:stretch>
-            <a:fillRect/>
-          </a:stretch>
-        </p:blipFill>
-        <p:spPr bwMode="auto">
-          <a:xfrm>
-            <a:off x="7620000" y="5334000"/>
-            <a:ext cx="1524000" cy="1524000"/>
-          </a:xfrm>
-          <a:prstGeom prst="rect">
-            <a:avLst/>
-          </a:prstGeom>
-          <a:noFill/>
-        </p:spPr>
-      </p:pic>
-      <p:pic>
-        <p:nvPicPr>
-          <p:cNvPr id="6" name="Picture 2" descr="c:\users\moi\Desktop\maestro.png"/>
-          <p:cNvPicPr>
-            <a:picLocks noChangeAspect="1" noChangeArrowheads="1"/>
-          </p:cNvPicPr>
-          <p:nvPr/>
-        </p:nvPicPr>
-        <p:blipFill>
-          <a:blip r:embed="rId3"/>
-          <a:srcRect/>
-          <a:stretch>
-            <a:fillRect/>
-          </a:stretch>
-        </p:blipFill>
-        <p:spPr bwMode="auto">
-          <a:xfrm>
-            <a:off x="7215206" y="257299"/>
-            <a:ext cx="1858958" cy="1028561"/>
-          </a:xfrm>
-          <a:prstGeom prst="rect">
-            <a:avLst/>
-          </a:prstGeom>
-          <a:noFill/>
-        </p:spPr>
-      </p:pic>
+        </p:txBody>
+      </p:sp>
     </p:spTree>
-    <p:extLst>
-      <p:ext uri="{BB962C8B-B14F-4D97-AF65-F5344CB8AC3E}">
-        <p14:creationId xmlns:p14="http://schemas.microsoft.com/office/powerpoint/2010/main" xmlns="" val="758101336"/>
-      </p:ext>
-    </p:extLst>
   </p:cSld>
   <p:clrMapOvr>
     <a:masterClrMapping/>
@@ -5282,7 +5287,7 @@
           <a:p>
             <a:r>
               <a:rPr lang="fr-FR" dirty="0" smtClean="0"/>
-              <a:t>Directives (1)</a:t>
+              <a:t>Directives</a:t>
             </a:r>
             <a:endParaRPr lang="fr-FR" dirty="0"/>
           </a:p>
@@ -5306,1014 +5311,51 @@
           <a:lstStyle/>
           <a:p>
             <a:r>
-              <a:rPr lang="fr-FR" dirty="0" err="1" smtClean="0">
-                <a:solidFill>
-                  <a:srgbClr val="0070C0"/>
-                </a:solidFill>
-              </a:rPr>
-              <a:t>ng-href</a:t>
-            </a:r>
-            <a:r>
-              <a:rPr lang="fr-FR" dirty="0" smtClean="0">
-                <a:solidFill>
-                  <a:srgbClr val="0070C0"/>
-                </a:solidFill>
-              </a:rPr>
-              <a:t> </a:t>
-            </a:r>
-            <a:r>
-              <a:rPr lang="fr-FR" dirty="0" smtClean="0"/>
-              <a:t>: permet de spécifier une URL.</a:t>
-            </a:r>
-          </a:p>
-          <a:p>
-            <a:r>
-              <a:rPr lang="fr-FR" dirty="0" err="1" smtClean="0">
-                <a:solidFill>
-                  <a:srgbClr val="0070C0"/>
-                </a:solidFill>
-              </a:rPr>
-              <a:t>ng-src</a:t>
-            </a:r>
-            <a:r>
-              <a:rPr lang="fr-FR" dirty="0" smtClean="0"/>
-              <a:t> : permet de spécifier un lien vers une image. </a:t>
-            </a:r>
-          </a:p>
-          <a:p>
-            <a:r>
-              <a:rPr lang="fr-FR" dirty="0" err="1" smtClean="0">
-                <a:solidFill>
-                  <a:srgbClr val="0070C0"/>
-                </a:solidFill>
-              </a:rPr>
-              <a:t>ng-repeat</a:t>
-            </a:r>
-            <a:r>
-              <a:rPr lang="fr-FR" dirty="0" smtClean="0">
-                <a:solidFill>
-                  <a:srgbClr val="0070C0"/>
-                </a:solidFill>
-              </a:rPr>
-              <a:t> </a:t>
-            </a:r>
-            <a:r>
-              <a:rPr lang="fr-FR" dirty="0" smtClean="0"/>
-              <a:t>: permet de répéter un </a:t>
+              <a:rPr lang="fr-FR" dirty="0" smtClean="0"/>
+              <a:t>C’est une extension du syntaxe HTML.</a:t>
+            </a:r>
+          </a:p>
+          <a:p>
+            <a:r>
+              <a:rPr lang="fr-FR" dirty="0" smtClean="0"/>
+              <a:t>Les directives sont directement insérées dans le DOM.</a:t>
+            </a:r>
+          </a:p>
+          <a:p>
+            <a:r>
+              <a:rPr lang="fr-FR" dirty="0" smtClean="0"/>
+              <a:t>Les directives </a:t>
             </a:r>
             <a:r>
               <a:rPr lang="fr-FR" dirty="0" err="1" smtClean="0"/>
-              <a:t>template</a:t>
-            </a:r>
-            <a:r>
-              <a:rPr lang="fr-FR" dirty="0" smtClean="0"/>
-              <a:t> pour chaque élément dans une collection.</a:t>
-            </a:r>
-          </a:p>
-          <a:p>
-            <a:r>
-              <a:rPr lang="fr-FR" dirty="0" err="1" smtClean="0">
-                <a:solidFill>
-                  <a:srgbClr val="0070C0"/>
-                </a:solidFill>
-              </a:rPr>
-              <a:t>ng</a:t>
-            </a:r>
-            <a:r>
-              <a:rPr lang="fr-FR" dirty="0" smtClean="0">
-                <a:solidFill>
-                  <a:srgbClr val="0070C0"/>
-                </a:solidFill>
-              </a:rPr>
-              <a:t>-if : </a:t>
-            </a:r>
-            <a:r>
-              <a:rPr lang="fr-FR" dirty="0"/>
-              <a:t>supprime le </a:t>
-            </a:r>
-            <a:r>
-              <a:rPr lang="fr-FR" dirty="0" err="1"/>
-              <a:t>template</a:t>
-            </a:r>
-            <a:r>
-              <a:rPr lang="fr-FR" dirty="0"/>
-              <a:t> si la valeur est égale à false</a:t>
-            </a:r>
-            <a:r>
-              <a:rPr lang="fr-FR" dirty="0" smtClean="0"/>
-              <a:t>.</a:t>
-            </a:r>
-          </a:p>
-          <a:p>
-            <a:r>
-              <a:rPr lang="fr-FR" dirty="0" err="1" smtClean="0">
-                <a:solidFill>
-                  <a:srgbClr val="0070C0"/>
-                </a:solidFill>
-              </a:rPr>
-              <a:t>ng</a:t>
-            </a:r>
-            <a:r>
-              <a:rPr lang="fr-FR" dirty="0" smtClean="0">
-                <a:solidFill>
-                  <a:srgbClr val="0070C0"/>
-                </a:solidFill>
-              </a:rPr>
-              <a:t>-switch</a:t>
-            </a:r>
-            <a:r>
-              <a:rPr lang="fr-FR" dirty="0" smtClean="0"/>
-              <a:t> : permet d’afficher un seul </a:t>
-            </a:r>
-            <a:r>
-              <a:rPr lang="fr-FR" dirty="0" err="1" smtClean="0"/>
-              <a:t>temlate</a:t>
-            </a:r>
-            <a:r>
-              <a:rPr lang="fr-FR" dirty="0" smtClean="0"/>
-              <a:t> parmi plusieurs (</a:t>
-            </a:r>
-            <a:r>
-              <a:rPr lang="fr-FR" dirty="0" err="1" smtClean="0">
-                <a:solidFill>
-                  <a:srgbClr val="0070C0"/>
-                </a:solidFill>
-              </a:rPr>
-              <a:t>ng</a:t>
-            </a:r>
-            <a:r>
-              <a:rPr lang="fr-FR" dirty="0" smtClean="0">
-                <a:solidFill>
-                  <a:srgbClr val="0070C0"/>
-                </a:solidFill>
-              </a:rPr>
-              <a:t>-switch-</a:t>
-            </a:r>
-            <a:r>
-              <a:rPr lang="fr-FR" dirty="0" err="1" smtClean="0">
-                <a:solidFill>
-                  <a:srgbClr val="0070C0"/>
-                </a:solidFill>
-              </a:rPr>
-              <a:t>when</a:t>
-            </a:r>
-            <a:r>
-              <a:rPr lang="fr-FR" dirty="0" smtClean="0"/>
-              <a:t> / </a:t>
-            </a:r>
-            <a:r>
-              <a:rPr lang="fr-FR" dirty="0" err="1" smtClean="0">
-                <a:solidFill>
-                  <a:srgbClr val="0070C0"/>
-                </a:solidFill>
-              </a:rPr>
-              <a:t>ng</a:t>
-            </a:r>
-            <a:r>
-              <a:rPr lang="fr-FR" dirty="0" smtClean="0">
-                <a:solidFill>
-                  <a:srgbClr val="0070C0"/>
-                </a:solidFill>
-              </a:rPr>
-              <a:t>-switch-default</a:t>
-            </a:r>
-            <a:r>
-              <a:rPr lang="fr-FR" dirty="0" smtClean="0"/>
-              <a:t>)</a:t>
-            </a:r>
-            <a:endParaRPr lang="fr-FR" dirty="0"/>
-          </a:p>
-          <a:p>
-            <a:r>
-              <a:rPr lang="fr-FR" dirty="0" err="1">
-                <a:solidFill>
-                  <a:srgbClr val="0070C0"/>
-                </a:solidFill>
-              </a:rPr>
-              <a:t>ng-list</a:t>
-            </a:r>
-            <a:r>
-              <a:rPr lang="fr-FR" dirty="0">
-                <a:solidFill>
-                  <a:srgbClr val="0070C0"/>
-                </a:solidFill>
-              </a:rPr>
-              <a:t> </a:t>
-            </a:r>
-            <a:r>
-              <a:rPr lang="fr-FR" dirty="0"/>
-              <a:t>: transforme un </a:t>
-            </a:r>
-            <a:r>
-              <a:rPr lang="fr-FR" dirty="0" smtClean="0"/>
-              <a:t>texte à </a:t>
-            </a:r>
-            <a:r>
-              <a:rPr lang="fr-FR" dirty="0"/>
-              <a:t>une liste</a:t>
-            </a:r>
-            <a:r>
-              <a:rPr lang="fr-FR" dirty="0" smtClean="0"/>
-              <a:t>.</a:t>
-            </a:r>
-          </a:p>
-          <a:p>
-            <a:endParaRPr lang="fr-FR" dirty="0"/>
-          </a:p>
-        </p:txBody>
-      </p:sp>
-      <p:pic>
-        <p:nvPicPr>
-          <p:cNvPr id="4" name="Picture 2" descr="C:\Users\YA12ADAN\Desktop\angular\angularjs_logo.png"/>
-          <p:cNvPicPr>
-            <a:picLocks noChangeAspect="1" noChangeArrowheads="1"/>
-          </p:cNvPicPr>
-          <p:nvPr/>
-        </p:nvPicPr>
-        <p:blipFill>
-          <a:blip r:embed="rId3" cstate="print"/>
-          <a:srcRect/>
-          <a:stretch>
-            <a:fillRect/>
-          </a:stretch>
-        </p:blipFill>
-        <p:spPr bwMode="auto">
-          <a:xfrm>
-            <a:off x="7620000" y="5334000"/>
-            <a:ext cx="1524000" cy="1524000"/>
-          </a:xfrm>
-          <a:prstGeom prst="rect">
-            <a:avLst/>
-          </a:prstGeom>
-          <a:noFill/>
-        </p:spPr>
-      </p:pic>
-      <p:pic>
-        <p:nvPicPr>
-          <p:cNvPr id="6" name="Picture 2" descr="c:\users\moi\Desktop\maestro.png"/>
-          <p:cNvPicPr>
-            <a:picLocks noChangeAspect="1" noChangeArrowheads="1"/>
-          </p:cNvPicPr>
-          <p:nvPr/>
-        </p:nvPicPr>
-        <p:blipFill>
-          <a:blip r:embed="rId4"/>
-          <a:srcRect/>
-          <a:stretch>
-            <a:fillRect/>
-          </a:stretch>
-        </p:blipFill>
-        <p:spPr bwMode="auto">
-          <a:xfrm>
-            <a:off x="7215206" y="257299"/>
-            <a:ext cx="1858958" cy="1028561"/>
-          </a:xfrm>
-          <a:prstGeom prst="rect">
-            <a:avLst/>
-          </a:prstGeom>
-          <a:noFill/>
-        </p:spPr>
-      </p:pic>
-    </p:spTree>
-    <p:extLst>
-      <p:ext uri="{BB962C8B-B14F-4D97-AF65-F5344CB8AC3E}">
-        <p14:creationId xmlns:p14="http://schemas.microsoft.com/office/powerpoint/2010/main" xmlns="" val="2701200407"/>
-      </p:ext>
-    </p:extLst>
-  </p:cSld>
-  <p:clrMapOvr>
-    <a:masterClrMapping/>
-  </p:clrMapOvr>
-  <p:timing>
-    <p:tnLst>
-      <p:par>
-        <p:cTn id="1" dur="indefinite" restart="never" nodeType="tmRoot"/>
-      </p:par>
-    </p:tnLst>
-  </p:timing>
-</p:sld>
-</file>
-
-<file path=ppt/slides/slide14.xml><?xml version="1.0" encoding="utf-8"?>
-<p:sld xmlns:a="http://schemas.openxmlformats.org/drawingml/2006/main" xmlns:r="http://schemas.openxmlformats.org/officeDocument/2006/relationships" xmlns:p="http://schemas.openxmlformats.org/presentationml/2006/main">
-  <p:cSld>
-    <p:spTree>
-      <p:nvGrpSpPr>
-        <p:cNvPr id="1" name=""/>
-        <p:cNvGrpSpPr/>
-        <p:nvPr/>
-      </p:nvGrpSpPr>
-      <p:grpSpPr>
-        <a:xfrm>
-          <a:off x="0" y="0"/>
-          <a:ext cx="0" cy="0"/>
-          <a:chOff x="0" y="0"/>
-          <a:chExt cx="0" cy="0"/>
-        </a:xfrm>
-      </p:grpSpPr>
-      <p:sp>
-        <p:nvSpPr>
-          <p:cNvPr id="2" name="Titre 1"/>
-          <p:cNvSpPr>
-            <a:spLocks noGrp="1"/>
-          </p:cNvSpPr>
-          <p:nvPr>
-            <p:ph type="title"/>
-          </p:nvPr>
-        </p:nvSpPr>
-        <p:spPr/>
-        <p:txBody>
-          <a:bodyPr/>
-          <a:lstStyle/>
-          <a:p>
-            <a:r>
-              <a:rPr lang="fr-FR" dirty="0" smtClean="0"/>
-              <a:t>Directives (1)</a:t>
-            </a:r>
-            <a:endParaRPr lang="fr-FR" dirty="0"/>
-          </a:p>
-        </p:txBody>
-      </p:sp>
-      <p:sp>
-        <p:nvSpPr>
-          <p:cNvPr id="3" name="Espace réservé du contenu 2"/>
-          <p:cNvSpPr>
-            <a:spLocks noGrp="1"/>
-          </p:cNvSpPr>
-          <p:nvPr>
-            <p:ph idx="1"/>
-          </p:nvPr>
-        </p:nvSpPr>
-        <p:spPr/>
-        <p:txBody>
-          <a:bodyPr>
-            <a:normAutofit/>
-          </a:bodyPr>
-          <a:lstStyle/>
-          <a:p>
-            <a:r>
-              <a:rPr lang="fr-FR" dirty="0" smtClean="0"/>
-              <a:t>Evénement :</a:t>
-            </a:r>
-          </a:p>
-          <a:p>
-            <a:pPr marL="365760" lvl="1" indent="0"/>
+              <a:t>AngularJS</a:t>
+            </a:r>
+            <a:r>
+              <a:rPr lang="fr-FR" dirty="0" smtClean="0"/>
+              <a:t> sont toutes préfixées par </a:t>
+            </a:r>
             <a:r>
               <a:rPr lang="fr-FR" dirty="0" err="1" smtClean="0"/>
               <a:t>ng</a:t>
             </a:r>
             <a:r>
               <a:rPr lang="fr-FR" dirty="0" smtClean="0"/>
-              <a:t>-change, </a:t>
-            </a:r>
-          </a:p>
-          <a:p>
-            <a:pPr marL="365760" lvl="1" indent="0"/>
-            <a:r>
-              <a:rPr lang="fr-FR" dirty="0" err="1" smtClean="0"/>
-              <a:t>ng</a:t>
-            </a:r>
-            <a:r>
-              <a:rPr lang="fr-FR" dirty="0" smtClean="0"/>
-              <a:t>-click, </a:t>
-            </a:r>
-            <a:r>
-              <a:rPr lang="fr-FR" dirty="0" err="1" smtClean="0"/>
-              <a:t>ng</a:t>
-            </a:r>
-            <a:r>
-              <a:rPr lang="fr-FR" dirty="0" smtClean="0"/>
-              <a:t>-</a:t>
-            </a:r>
-            <a:r>
-              <a:rPr lang="fr-FR" dirty="0" err="1" smtClean="0"/>
-              <a:t>dblclick</a:t>
-            </a:r>
-            <a:endParaRPr lang="fr-FR" dirty="0" smtClean="0"/>
-          </a:p>
-          <a:p>
-            <a:pPr marL="365760" lvl="1" indent="0"/>
-            <a:r>
-              <a:rPr lang="fr-FR" dirty="0" smtClean="0"/>
-              <a:t> </a:t>
-            </a:r>
-            <a:r>
-              <a:rPr lang="fr-FR" dirty="0" err="1" smtClean="0"/>
-              <a:t>ng</a:t>
-            </a:r>
-            <a:r>
-              <a:rPr lang="fr-FR" dirty="0" smtClean="0"/>
-              <a:t>-focus, </a:t>
-            </a:r>
-            <a:r>
-              <a:rPr lang="fr-FR" dirty="0" err="1" smtClean="0"/>
-              <a:t>ng</a:t>
-            </a:r>
-            <a:r>
-              <a:rPr lang="fr-FR" dirty="0" smtClean="0"/>
-              <a:t>-</a:t>
-            </a:r>
-            <a:r>
-              <a:rPr lang="fr-FR" dirty="0" err="1" smtClean="0"/>
-              <a:t>blur</a:t>
-            </a:r>
-            <a:r>
-              <a:rPr lang="fr-FR" dirty="0" smtClean="0"/>
-              <a:t>, </a:t>
-            </a:r>
-          </a:p>
-          <a:p>
-            <a:pPr marL="365760" lvl="1" indent="0"/>
-            <a:r>
-              <a:rPr lang="fr-FR" dirty="0" err="1" smtClean="0"/>
-              <a:t>ng</a:t>
-            </a:r>
-            <a:r>
-              <a:rPr lang="fr-FR" dirty="0" smtClean="0"/>
-              <a:t>-</a:t>
-            </a:r>
-            <a:r>
-              <a:rPr lang="fr-FR" dirty="0" err="1" smtClean="0"/>
-              <a:t>keyup</a:t>
-            </a:r>
-            <a:r>
-              <a:rPr lang="fr-FR" dirty="0" smtClean="0"/>
-              <a:t>, </a:t>
-            </a:r>
-            <a:r>
-              <a:rPr lang="fr-FR" dirty="0" err="1" smtClean="0"/>
-              <a:t>ng</a:t>
-            </a:r>
-            <a:r>
-              <a:rPr lang="fr-FR" dirty="0" smtClean="0"/>
-              <a:t>-</a:t>
-            </a:r>
-            <a:r>
-              <a:rPr lang="fr-FR" dirty="0" err="1" smtClean="0"/>
-              <a:t>keydown</a:t>
-            </a:r>
-            <a:r>
-              <a:rPr lang="fr-FR" dirty="0" smtClean="0"/>
-              <a:t>, </a:t>
-            </a:r>
-            <a:r>
-              <a:rPr lang="fr-FR" dirty="0" err="1" smtClean="0"/>
-              <a:t>ng</a:t>
-            </a:r>
-            <a:r>
-              <a:rPr lang="fr-FR" dirty="0" smtClean="0"/>
-              <a:t>-</a:t>
-            </a:r>
-            <a:r>
-              <a:rPr lang="fr-FR" dirty="0" err="1" smtClean="0"/>
-              <a:t>keypress</a:t>
-            </a:r>
-            <a:endParaRPr lang="fr-FR" dirty="0" smtClean="0"/>
-          </a:p>
-          <a:p>
-            <a:pPr marL="365760" lvl="1" indent="0"/>
-            <a:r>
-              <a:rPr lang="fr-FR" dirty="0" err="1" smtClean="0"/>
-              <a:t>ng</a:t>
-            </a:r>
-            <a:r>
-              <a:rPr lang="fr-FR" dirty="0" smtClean="0"/>
-              <a:t>-</a:t>
-            </a:r>
-            <a:r>
-              <a:rPr lang="fr-FR" dirty="0" err="1" smtClean="0"/>
-              <a:t>cut</a:t>
-            </a:r>
-            <a:r>
-              <a:rPr lang="fr-FR" dirty="0" smtClean="0"/>
-              <a:t>, </a:t>
-            </a:r>
-            <a:r>
-              <a:rPr lang="fr-FR" dirty="0" err="1" smtClean="0"/>
-              <a:t>ng</a:t>
-            </a:r>
-            <a:r>
-              <a:rPr lang="fr-FR" dirty="0" smtClean="0"/>
-              <a:t>-copy, </a:t>
-            </a:r>
-            <a:r>
-              <a:rPr lang="fr-FR" dirty="0" err="1" smtClean="0"/>
-              <a:t>ng</a:t>
-            </a:r>
-            <a:r>
-              <a:rPr lang="fr-FR" dirty="0" smtClean="0"/>
-              <a:t>-</a:t>
-            </a:r>
-            <a:r>
-              <a:rPr lang="fr-FR" dirty="0" err="1" smtClean="0"/>
-              <a:t>paste</a:t>
-            </a:r>
-            <a:r>
-              <a:rPr lang="fr-FR" dirty="0" smtClean="0"/>
-              <a:t>, </a:t>
-            </a:r>
-          </a:p>
-          <a:p>
-            <a:pPr marL="365760" lvl="1" indent="0"/>
-            <a:r>
-              <a:rPr lang="fr-FR" dirty="0" smtClean="0"/>
-              <a:t>….</a:t>
-            </a:r>
-            <a:endParaRPr lang="fr-FR" dirty="0"/>
-          </a:p>
-        </p:txBody>
-      </p:sp>
-      <p:pic>
-        <p:nvPicPr>
-          <p:cNvPr id="4" name="Picture 2" descr="C:\Users\YA12ADAN\Desktop\angular\angularjs_logo.png"/>
-          <p:cNvPicPr>
-            <a:picLocks noChangeAspect="1" noChangeArrowheads="1"/>
-          </p:cNvPicPr>
-          <p:nvPr/>
-        </p:nvPicPr>
-        <p:blipFill>
-          <a:blip r:embed="rId3" cstate="print"/>
-          <a:srcRect/>
-          <a:stretch>
-            <a:fillRect/>
-          </a:stretch>
-        </p:blipFill>
-        <p:spPr bwMode="auto">
-          <a:xfrm>
-            <a:off x="7620000" y="5334000"/>
-            <a:ext cx="1524000" cy="1524000"/>
-          </a:xfrm>
-          <a:prstGeom prst="rect">
-            <a:avLst/>
-          </a:prstGeom>
-          <a:noFill/>
-        </p:spPr>
-      </p:pic>
-      <p:pic>
-        <p:nvPicPr>
-          <p:cNvPr id="6" name="Picture 2" descr="c:\users\moi\Desktop\maestro.png"/>
-          <p:cNvPicPr>
-            <a:picLocks noChangeAspect="1" noChangeArrowheads="1"/>
-          </p:cNvPicPr>
-          <p:nvPr/>
-        </p:nvPicPr>
-        <p:blipFill>
-          <a:blip r:embed="rId4"/>
-          <a:srcRect/>
-          <a:stretch>
-            <a:fillRect/>
-          </a:stretch>
-        </p:blipFill>
-        <p:spPr bwMode="auto">
-          <a:xfrm>
-            <a:off x="7215206" y="257299"/>
-            <a:ext cx="1858958" cy="1028561"/>
-          </a:xfrm>
-          <a:prstGeom prst="rect">
-            <a:avLst/>
-          </a:prstGeom>
-          <a:noFill/>
-        </p:spPr>
-      </p:pic>
-    </p:spTree>
-    <p:extLst>
-      <p:ext uri="{BB962C8B-B14F-4D97-AF65-F5344CB8AC3E}">
-        <p14:creationId xmlns:p14="http://schemas.microsoft.com/office/powerpoint/2010/main" xmlns="" val="2868363210"/>
-      </p:ext>
-    </p:extLst>
-  </p:cSld>
-  <p:clrMapOvr>
-    <a:masterClrMapping/>
-  </p:clrMapOvr>
-  <p:timing>
-    <p:tnLst>
-      <p:par>
-        <p:cTn id="1" dur="indefinite" restart="never" nodeType="tmRoot"/>
-      </p:par>
-    </p:tnLst>
-  </p:timing>
-</p:sld>
-</file>
-
-<file path=ppt/slides/slide15.xml><?xml version="1.0" encoding="utf-8"?>
-<p:sld xmlns:a="http://schemas.openxmlformats.org/drawingml/2006/main" xmlns:r="http://schemas.openxmlformats.org/officeDocument/2006/relationships" xmlns:p="http://schemas.openxmlformats.org/presentationml/2006/main">
-  <p:cSld>
-    <p:spTree>
-      <p:nvGrpSpPr>
-        <p:cNvPr id="1" name=""/>
-        <p:cNvGrpSpPr/>
-        <p:nvPr/>
-      </p:nvGrpSpPr>
-      <p:grpSpPr>
-        <a:xfrm>
-          <a:off x="0" y="0"/>
-          <a:ext cx="0" cy="0"/>
-          <a:chOff x="0" y="0"/>
-          <a:chExt cx="0" cy="0"/>
-        </a:xfrm>
-      </p:grpSpPr>
-      <p:sp>
-        <p:nvSpPr>
-          <p:cNvPr id="2" name="Titre 1"/>
-          <p:cNvSpPr>
-            <a:spLocks noGrp="1"/>
-          </p:cNvSpPr>
-          <p:nvPr>
-            <p:ph type="title"/>
-          </p:nvPr>
-        </p:nvSpPr>
-        <p:spPr/>
-        <p:txBody>
-          <a:bodyPr/>
-          <a:lstStyle/>
-          <a:p>
-            <a:r>
-              <a:rPr lang="fr-FR" dirty="0" smtClean="0"/>
-              <a:t>Contrôleurs</a:t>
-            </a:r>
-            <a:endParaRPr lang="fr-FR" dirty="0"/>
-          </a:p>
-        </p:txBody>
-      </p:sp>
-      <p:sp>
-        <p:nvSpPr>
-          <p:cNvPr id="3" name="Espace réservé du contenu 2"/>
-          <p:cNvSpPr>
-            <a:spLocks noGrp="1"/>
-          </p:cNvSpPr>
-          <p:nvPr>
-            <p:ph idx="1"/>
-          </p:nvPr>
-        </p:nvSpPr>
-        <p:spPr/>
-        <p:txBody>
-          <a:bodyPr>
-            <a:normAutofit/>
-          </a:bodyPr>
-          <a:lstStyle/>
-          <a:p>
-            <a:r>
-              <a:rPr lang="fr-FR" dirty="0" smtClean="0"/>
-              <a:t>Un contrôleur permet de contrôler les données.</a:t>
-            </a:r>
-          </a:p>
-          <a:p>
-            <a:r>
-              <a:rPr lang="fr-FR" dirty="0" smtClean="0"/>
-              <a:t>Un contrôleur doit être déclarer dans un module. </a:t>
-            </a:r>
-          </a:p>
-          <a:p>
-            <a:pPr marL="0" indent="0">
-              <a:buNone/>
-            </a:pPr>
-            <a:r>
-              <a:rPr lang="fr-FR" dirty="0" smtClean="0">
-                <a:solidFill>
-                  <a:schemeClr val="accent1">
-                    <a:lumMod val="75000"/>
-                  </a:schemeClr>
-                </a:solidFill>
-              </a:rPr>
-              <a:t>&lt;tag </a:t>
-            </a:r>
-            <a:r>
-              <a:rPr lang="fr-FR" dirty="0" err="1" smtClean="0">
-                <a:solidFill>
-                  <a:schemeClr val="accent1">
-                    <a:lumMod val="75000"/>
-                  </a:schemeClr>
-                </a:solidFill>
-              </a:rPr>
-              <a:t>ng-controller</a:t>
-            </a:r>
-            <a:r>
-              <a:rPr lang="fr-FR" dirty="0" smtClean="0">
-                <a:solidFill>
-                  <a:schemeClr val="accent1">
-                    <a:lumMod val="75000"/>
-                  </a:schemeClr>
-                </a:solidFill>
-              </a:rPr>
-              <a:t>=‘</a:t>
-            </a:r>
-            <a:r>
-              <a:rPr lang="fr-FR" dirty="0" err="1">
-                <a:solidFill>
-                  <a:schemeClr val="accent1">
-                    <a:lumMod val="75000"/>
-                  </a:schemeClr>
-                </a:solidFill>
-              </a:rPr>
-              <a:t>controllerName</a:t>
-            </a:r>
-            <a:r>
-              <a:rPr lang="fr-FR" dirty="0" smtClean="0">
-                <a:solidFill>
-                  <a:schemeClr val="accent1">
-                    <a:lumMod val="75000"/>
-                  </a:schemeClr>
-                </a:solidFill>
-              </a:rPr>
-              <a:t>’&gt;…&lt;/tag&gt;</a:t>
-            </a:r>
-            <a:endParaRPr lang="fr-FR" dirty="0">
+              <a:t>-.</a:t>
+            </a:r>
+            <a:endParaRPr lang="fr-FR" dirty="0" smtClean="0">
               <a:solidFill>
-                <a:schemeClr val="accent1">
-                  <a:lumMod val="75000"/>
-                </a:schemeClr>
+                <a:srgbClr val="0070C0"/>
               </a:solidFill>
             </a:endParaRPr>
           </a:p>
           <a:p>
-            <a:pPr marL="0" indent="0">
-              <a:buNone/>
-            </a:pPr>
-            <a:r>
-              <a:rPr lang="fr-FR" dirty="0" err="1" smtClean="0">
-                <a:solidFill>
-                  <a:srgbClr val="00B050"/>
-                </a:solidFill>
-              </a:rPr>
-              <a:t>app.controller</a:t>
-            </a:r>
-            <a:r>
-              <a:rPr lang="fr-FR" dirty="0">
-                <a:solidFill>
-                  <a:srgbClr val="00B050"/>
-                </a:solidFill>
-              </a:rPr>
-              <a:t>(‘</a:t>
-            </a:r>
-            <a:r>
-              <a:rPr lang="fr-FR" dirty="0" err="1">
-                <a:solidFill>
-                  <a:srgbClr val="00B050"/>
-                </a:solidFill>
-              </a:rPr>
-              <a:t>controllerName</a:t>
-            </a:r>
-            <a:r>
-              <a:rPr lang="fr-FR" dirty="0">
-                <a:solidFill>
-                  <a:srgbClr val="00B050"/>
-                </a:solidFill>
-              </a:rPr>
-              <a:t>’, </a:t>
-            </a:r>
-            <a:r>
-              <a:rPr lang="fr-FR" dirty="0" err="1">
-                <a:solidFill>
-                  <a:srgbClr val="00B050"/>
-                </a:solidFill>
-              </a:rPr>
-              <a:t>function</a:t>
-            </a:r>
-            <a:r>
-              <a:rPr lang="fr-FR" dirty="0" smtClean="0">
-                <a:solidFill>
-                  <a:srgbClr val="00B050"/>
-                </a:solidFill>
-              </a:rPr>
-              <a:t>(){…});</a:t>
-            </a:r>
-          </a:p>
-          <a:p>
-            <a:endParaRPr lang="fr-FR" dirty="0" smtClean="0"/>
-          </a:p>
-          <a:p>
-            <a:r>
-              <a:rPr lang="fr-FR" dirty="0" err="1"/>
-              <a:t>ng</a:t>
-            </a:r>
-            <a:r>
-              <a:rPr lang="fr-FR" dirty="0"/>
-              <a:t>-</a:t>
-            </a:r>
-            <a:r>
-              <a:rPr lang="fr-FR" dirty="0" err="1"/>
-              <a:t>controller</a:t>
-            </a:r>
-            <a:r>
-              <a:rPr lang="fr-FR" dirty="0"/>
-              <a:t> : est </a:t>
-            </a:r>
-            <a:r>
-              <a:rPr lang="fr-FR" dirty="0" smtClean="0"/>
-              <a:t>la directive </a:t>
-            </a:r>
-            <a:r>
-              <a:rPr lang="fr-FR" dirty="0"/>
-              <a:t>qui permet d’attacher un </a:t>
-            </a:r>
-            <a:r>
-              <a:rPr lang="fr-FR" dirty="0" smtClean="0"/>
-              <a:t>la vue </a:t>
-            </a:r>
-            <a:r>
-              <a:rPr lang="fr-FR" dirty="0" smtClean="0"/>
-              <a:t>au contrôleur</a:t>
-            </a:r>
-            <a:r>
-              <a:rPr lang="fr-FR" dirty="0" smtClean="0"/>
-              <a:t>. </a:t>
-            </a:r>
-            <a:endParaRPr lang="fr-FR" dirty="0" smtClean="0"/>
-          </a:p>
-          <a:p>
-            <a:endParaRPr lang="fr-FR" dirty="0" smtClean="0"/>
-          </a:p>
-          <a:p>
-            <a:r>
-              <a:rPr lang="fr-FR" dirty="0"/>
-              <a:t>https://docs.angularjs.org/guide/controller</a:t>
-            </a:r>
-          </a:p>
-          <a:p>
-            <a:endParaRPr lang="fr-FR" dirty="0"/>
-          </a:p>
-        </p:txBody>
-      </p:sp>
-      <p:pic>
-        <p:nvPicPr>
-          <p:cNvPr id="4" name="Picture 2" descr="C:\Users\YA12ADAN\Desktop\angular\angularjs_logo.png"/>
-          <p:cNvPicPr>
-            <a:picLocks noChangeAspect="1" noChangeArrowheads="1"/>
-          </p:cNvPicPr>
-          <p:nvPr/>
-        </p:nvPicPr>
-        <p:blipFill>
-          <a:blip r:embed="rId2" cstate="print"/>
-          <a:srcRect/>
-          <a:stretch>
-            <a:fillRect/>
-          </a:stretch>
-        </p:blipFill>
-        <p:spPr bwMode="auto">
-          <a:xfrm>
-            <a:off x="7620000" y="5334000"/>
-            <a:ext cx="1524000" cy="1524000"/>
-          </a:xfrm>
-          <a:prstGeom prst="rect">
-            <a:avLst/>
-          </a:prstGeom>
-          <a:noFill/>
-        </p:spPr>
-      </p:pic>
-      <p:pic>
-        <p:nvPicPr>
-          <p:cNvPr id="6" name="Picture 2" descr="c:\users\moi\Desktop\maestro.png"/>
-          <p:cNvPicPr>
-            <a:picLocks noChangeAspect="1" noChangeArrowheads="1"/>
-          </p:cNvPicPr>
-          <p:nvPr/>
-        </p:nvPicPr>
-        <p:blipFill>
-          <a:blip r:embed="rId3"/>
-          <a:srcRect/>
-          <a:stretch>
-            <a:fillRect/>
-          </a:stretch>
-        </p:blipFill>
-        <p:spPr bwMode="auto">
-          <a:xfrm>
-            <a:off x="7215206" y="257299"/>
-            <a:ext cx="1858958" cy="1028561"/>
-          </a:xfrm>
-          <a:prstGeom prst="rect">
-            <a:avLst/>
-          </a:prstGeom>
-          <a:noFill/>
-        </p:spPr>
-      </p:pic>
-    </p:spTree>
-    <p:extLst>
-      <p:ext uri="{BB962C8B-B14F-4D97-AF65-F5344CB8AC3E}">
-        <p14:creationId xmlns:p14="http://schemas.microsoft.com/office/powerpoint/2010/main" xmlns="" val="1650196199"/>
-      </p:ext>
-    </p:extLst>
-  </p:cSld>
-  <p:clrMapOvr>
-    <a:masterClrMapping/>
-  </p:clrMapOvr>
-  <p:timing>
-    <p:tnLst>
-      <p:par>
-        <p:cTn id="1" dur="indefinite" restart="never" nodeType="tmRoot"/>
-      </p:par>
-    </p:tnLst>
-  </p:timing>
-</p:sld>
-</file>
-
-<file path=ppt/slides/slide16.xml><?xml version="1.0" encoding="utf-8"?>
-<p:sld xmlns:a="http://schemas.openxmlformats.org/drawingml/2006/main" xmlns:r="http://schemas.openxmlformats.org/officeDocument/2006/relationships" xmlns:p="http://schemas.openxmlformats.org/presentationml/2006/main">
-  <p:cSld>
-    <p:spTree>
-      <p:nvGrpSpPr>
-        <p:cNvPr id="1" name=""/>
-        <p:cNvGrpSpPr/>
-        <p:nvPr/>
-      </p:nvGrpSpPr>
-      <p:grpSpPr>
-        <a:xfrm>
-          <a:off x="0" y="0"/>
-          <a:ext cx="0" cy="0"/>
-          <a:chOff x="0" y="0"/>
-          <a:chExt cx="0" cy="0"/>
-        </a:xfrm>
-      </p:grpSpPr>
-      <p:sp>
-        <p:nvSpPr>
-          <p:cNvPr id="2" name="Titre 1"/>
-          <p:cNvSpPr>
-            <a:spLocks noGrp="1"/>
-          </p:cNvSpPr>
-          <p:nvPr>
-            <p:ph type="title"/>
-          </p:nvPr>
-        </p:nvSpPr>
-        <p:spPr/>
-        <p:txBody>
-          <a:bodyPr/>
-          <a:lstStyle/>
-          <a:p>
-            <a:r>
-              <a:rPr lang="fr-FR" dirty="0" smtClean="0"/>
-              <a:t>Scopes</a:t>
-            </a:r>
-            <a:endParaRPr lang="fr-FR" dirty="0"/>
-          </a:p>
-        </p:txBody>
-      </p:sp>
-      <p:sp>
-        <p:nvSpPr>
-          <p:cNvPr id="3" name="Espace réservé du contenu 2"/>
-          <p:cNvSpPr>
-            <a:spLocks noGrp="1"/>
-          </p:cNvSpPr>
-          <p:nvPr>
-            <p:ph idx="1"/>
-          </p:nvPr>
-        </p:nvSpPr>
-        <p:spPr/>
-        <p:txBody>
-          <a:bodyPr>
-            <a:normAutofit/>
-          </a:bodyPr>
-          <a:lstStyle/>
-          <a:p>
-            <a:r>
-              <a:rPr lang="fr-FR" dirty="0" smtClean="0"/>
-              <a:t>Un scope ($scope) représente le </a:t>
-            </a:r>
-            <a:r>
-              <a:rPr lang="fr-FR" i="1" dirty="0" err="1" smtClean="0"/>
-              <a:t>View</a:t>
-            </a:r>
-            <a:r>
-              <a:rPr lang="fr-FR" i="1" dirty="0" smtClean="0"/>
-              <a:t>-Model </a:t>
-            </a:r>
-            <a:r>
-              <a:rPr lang="fr-FR" dirty="0" smtClean="0"/>
-              <a:t>de l’architecture MVVM.</a:t>
-            </a:r>
-          </a:p>
-          <a:p>
-            <a:r>
-              <a:rPr lang="fr-FR" dirty="0" smtClean="0"/>
-              <a:t>Un scope permet de binder les données entre le contrôleur et la vue (</a:t>
-            </a:r>
             <a:r>
               <a:rPr lang="fr-FR" dirty="0" err="1" smtClean="0"/>
-              <a:t>Two</a:t>
-            </a:r>
-            <a:r>
-              <a:rPr lang="fr-FR" dirty="0" smtClean="0"/>
-              <a:t> </a:t>
-            </a:r>
-            <a:r>
-              <a:rPr lang="fr-FR" dirty="0" err="1" smtClean="0"/>
-              <a:t>way</a:t>
-            </a:r>
-            <a:r>
-              <a:rPr lang="fr-FR" dirty="0" smtClean="0"/>
-              <a:t> data </a:t>
-            </a:r>
-            <a:r>
-              <a:rPr lang="fr-FR" dirty="0" err="1" smtClean="0"/>
-              <a:t>binding</a:t>
-            </a:r>
-            <a:r>
-              <a:rPr lang="fr-FR" dirty="0" smtClean="0"/>
-              <a:t>).</a:t>
-            </a:r>
-          </a:p>
-          <a:p>
-            <a:r>
-              <a:rPr lang="fr-FR" dirty="0" smtClean="0"/>
-              <a:t>Un scope garantie la séparation du contrôleur de la vue.</a:t>
+              <a:t>AngularJS</a:t>
+            </a:r>
+            <a:r>
+              <a:rPr lang="fr-FR" dirty="0" smtClean="0"/>
+              <a:t> permet aussi la création des directives personnalisées.</a:t>
             </a:r>
           </a:p>
           <a:p>
@@ -6321,357 +5363,29 @@
               <a:buNone/>
             </a:pPr>
             <a:r>
-              <a:rPr lang="fr-FR" dirty="0" smtClean="0"/>
-              <a:t> </a:t>
+              <a:rPr lang="fr-FR" dirty="0" smtClean="0">
+                <a:solidFill>
+                  <a:srgbClr val="00B0F0"/>
+                </a:solidFill>
+              </a:rPr>
+              <a:t>&lt;tag </a:t>
             </a:r>
             <a:r>
               <a:rPr lang="fr-FR" dirty="0" err="1" smtClean="0">
                 <a:solidFill>
-                  <a:srgbClr val="00B050"/>
-                </a:solidFill>
-              </a:rPr>
-              <a:t>app.controller</a:t>
-            </a:r>
-            <a:r>
-              <a:rPr lang="fr-FR" dirty="0">
-                <a:solidFill>
-                  <a:srgbClr val="00B050"/>
-                </a:solidFill>
-              </a:rPr>
-              <a:t>(‘</a:t>
-            </a:r>
-            <a:r>
-              <a:rPr lang="fr-FR" dirty="0" err="1">
-                <a:solidFill>
-                  <a:srgbClr val="00B050"/>
-                </a:solidFill>
-              </a:rPr>
-              <a:t>controllerName</a:t>
-            </a:r>
-            <a:r>
-              <a:rPr lang="fr-FR" dirty="0">
-                <a:solidFill>
-                  <a:srgbClr val="00B050"/>
-                </a:solidFill>
-              </a:rPr>
-              <a:t>’, </a:t>
-            </a:r>
-            <a:r>
-              <a:rPr lang="fr-FR" dirty="0" err="1">
-                <a:solidFill>
-                  <a:srgbClr val="00B050"/>
-                </a:solidFill>
-              </a:rPr>
-              <a:t>function</a:t>
-            </a:r>
-            <a:r>
-              <a:rPr lang="fr-FR" dirty="0">
-                <a:solidFill>
-                  <a:srgbClr val="00B050"/>
-                </a:solidFill>
-              </a:rPr>
-              <a:t>($scope</a:t>
+                  <a:srgbClr val="00B0F0"/>
+                </a:solidFill>
+              </a:rPr>
+              <a:t>ng</a:t>
             </a:r>
             <a:r>
               <a:rPr lang="fr-FR" dirty="0" smtClean="0">
                 <a:solidFill>
-                  <a:srgbClr val="00B050"/>
-                </a:solidFill>
-              </a:rPr>
-              <a:t>){…});</a:t>
-            </a:r>
-          </a:p>
-          <a:p>
-            <a:pPr>
-              <a:buNone/>
-            </a:pPr>
-            <a:endParaRPr lang="fr-FR" dirty="0"/>
-          </a:p>
-          <a:p>
-            <a:r>
-              <a:rPr lang="fr-FR" dirty="0"/>
-              <a:t>https://</a:t>
-            </a:r>
-            <a:r>
-              <a:rPr lang="fr-FR" dirty="0" smtClean="0"/>
-              <a:t>docs.angularjs.org/guide/scope</a:t>
-            </a:r>
-            <a:endParaRPr lang="fr-FR" dirty="0">
-              <a:solidFill>
-                <a:schemeClr val="tx1">
-                  <a:lumMod val="65000"/>
-                  <a:lumOff val="35000"/>
-                </a:schemeClr>
-              </a:solidFill>
-            </a:endParaRPr>
-          </a:p>
-          <a:p>
-            <a:endParaRPr lang="fr-FR" dirty="0" smtClean="0"/>
-          </a:p>
-          <a:p>
-            <a:endParaRPr lang="fr-FR" dirty="0"/>
-          </a:p>
-          <a:p>
-            <a:endParaRPr lang="fr-FR" dirty="0"/>
-          </a:p>
-        </p:txBody>
-      </p:sp>
-      <p:pic>
-        <p:nvPicPr>
-          <p:cNvPr id="4" name="Picture 2" descr="C:\Users\YA12ADAN\Desktop\angular\angularjs_logo.png"/>
-          <p:cNvPicPr>
-            <a:picLocks noChangeAspect="1" noChangeArrowheads="1"/>
-          </p:cNvPicPr>
-          <p:nvPr/>
-        </p:nvPicPr>
-        <p:blipFill>
-          <a:blip r:embed="rId3" cstate="print"/>
-          <a:srcRect/>
-          <a:stretch>
-            <a:fillRect/>
-          </a:stretch>
-        </p:blipFill>
-        <p:spPr bwMode="auto">
-          <a:xfrm>
-            <a:off x="7620000" y="5334000"/>
-            <a:ext cx="1524000" cy="1524000"/>
-          </a:xfrm>
-          <a:prstGeom prst="rect">
-            <a:avLst/>
-          </a:prstGeom>
-          <a:noFill/>
-        </p:spPr>
-      </p:pic>
-      <p:pic>
-        <p:nvPicPr>
-          <p:cNvPr id="6" name="Picture 2" descr="c:\users\moi\Desktop\maestro.png"/>
-          <p:cNvPicPr>
-            <a:picLocks noChangeAspect="1" noChangeArrowheads="1"/>
-          </p:cNvPicPr>
-          <p:nvPr/>
-        </p:nvPicPr>
-        <p:blipFill>
-          <a:blip r:embed="rId4"/>
-          <a:srcRect/>
-          <a:stretch>
-            <a:fillRect/>
-          </a:stretch>
-        </p:blipFill>
-        <p:spPr bwMode="auto">
-          <a:xfrm>
-            <a:off x="7215206" y="257299"/>
-            <a:ext cx="1858958" cy="1028561"/>
-          </a:xfrm>
-          <a:prstGeom prst="rect">
-            <a:avLst/>
-          </a:prstGeom>
-          <a:noFill/>
-        </p:spPr>
-      </p:pic>
-    </p:spTree>
-    <p:extLst>
-      <p:ext uri="{BB962C8B-B14F-4D97-AF65-F5344CB8AC3E}">
-        <p14:creationId xmlns:p14="http://schemas.microsoft.com/office/powerpoint/2010/main" xmlns="" val="1549084014"/>
-      </p:ext>
-    </p:extLst>
-  </p:cSld>
-  <p:clrMapOvr>
-    <a:masterClrMapping/>
-  </p:clrMapOvr>
-  <p:timing>
-    <p:tnLst>
-      <p:par>
-        <p:cTn id="1" dur="indefinite" restart="never" nodeType="tmRoot"/>
-      </p:par>
-    </p:tnLst>
-  </p:timing>
-</p:sld>
-</file>
-
-<file path=ppt/slides/slide17.xml><?xml version="1.0" encoding="utf-8"?>
-<p:sld xmlns:a="http://schemas.openxmlformats.org/drawingml/2006/main" xmlns:r="http://schemas.openxmlformats.org/officeDocument/2006/relationships" xmlns:p="http://schemas.openxmlformats.org/presentationml/2006/main">
-  <p:cSld>
-    <p:spTree>
-      <p:nvGrpSpPr>
-        <p:cNvPr id="1" name=""/>
-        <p:cNvGrpSpPr/>
-        <p:nvPr/>
-      </p:nvGrpSpPr>
-      <p:grpSpPr>
-        <a:xfrm>
-          <a:off x="0" y="0"/>
-          <a:ext cx="0" cy="0"/>
-          <a:chOff x="0" y="0"/>
-          <a:chExt cx="0" cy="0"/>
-        </a:xfrm>
-      </p:grpSpPr>
-      <p:sp>
-        <p:nvSpPr>
-          <p:cNvPr id="2" name="Titre 1"/>
-          <p:cNvSpPr>
-            <a:spLocks noGrp="1"/>
-          </p:cNvSpPr>
-          <p:nvPr>
-            <p:ph type="title"/>
-          </p:nvPr>
-        </p:nvSpPr>
-        <p:spPr/>
-        <p:txBody>
-          <a:bodyPr/>
-          <a:lstStyle/>
-          <a:p>
-            <a:r>
-              <a:rPr lang="fr-FR" dirty="0" err="1" smtClean="0"/>
-              <a:t>RootScope</a:t>
-            </a:r>
-            <a:endParaRPr lang="fr-FR" dirty="0"/>
-          </a:p>
-        </p:txBody>
-      </p:sp>
-      <p:sp>
-        <p:nvSpPr>
-          <p:cNvPr id="3" name="Espace réservé du contenu 2"/>
-          <p:cNvSpPr>
-            <a:spLocks noGrp="1"/>
-          </p:cNvSpPr>
-          <p:nvPr>
-            <p:ph idx="1"/>
-          </p:nvPr>
-        </p:nvSpPr>
-        <p:spPr/>
-        <p:txBody>
-          <a:bodyPr>
-            <a:normAutofit/>
-          </a:bodyPr>
-          <a:lstStyle/>
-          <a:p>
-            <a:r>
-              <a:rPr lang="fr-FR" dirty="0" err="1" smtClean="0"/>
-              <a:t>RootScope</a:t>
-            </a:r>
-            <a:r>
-              <a:rPr lang="fr-FR" dirty="0" smtClean="0"/>
-              <a:t> est un scope </a:t>
-            </a:r>
-            <a:r>
-              <a:rPr lang="fr-FR" dirty="0" smtClean="0"/>
-              <a:t>globale.</a:t>
-            </a:r>
-            <a:endParaRPr lang="fr-FR" dirty="0" smtClean="0"/>
-          </a:p>
-          <a:p>
-            <a:r>
-              <a:rPr lang="fr-FR" dirty="0" smtClean="0"/>
-              <a:t>Chaque application dispose d’un </a:t>
-            </a:r>
-            <a:r>
-              <a:rPr lang="fr-FR" dirty="0" err="1" smtClean="0"/>
-              <a:t>RootScope</a:t>
-            </a:r>
-            <a:r>
-              <a:rPr lang="fr-FR" dirty="0" smtClean="0"/>
-              <a:t> unique.</a:t>
-            </a:r>
-          </a:p>
-          <a:p>
-            <a:r>
-              <a:rPr lang="fr-FR" dirty="0" smtClean="0"/>
-              <a:t>Le </a:t>
-            </a:r>
-            <a:r>
-              <a:rPr lang="fr-FR" dirty="0" err="1" smtClean="0"/>
-              <a:t>rootScope</a:t>
-            </a:r>
-            <a:r>
-              <a:rPr lang="fr-FR" dirty="0" smtClean="0"/>
-              <a:t> est accessible par </a:t>
-            </a:r>
-            <a:r>
-              <a:rPr lang="fr-FR" dirty="0" smtClean="0"/>
-              <a:t>toutes </a:t>
-            </a:r>
-            <a:r>
-              <a:rPr lang="fr-FR" dirty="0" smtClean="0"/>
-              <a:t>les vues </a:t>
-            </a:r>
-            <a:r>
-              <a:rPr lang="fr-FR" dirty="0" smtClean="0"/>
-              <a:t>et tous  </a:t>
-            </a:r>
-            <a:r>
-              <a:rPr lang="fr-FR" dirty="0" smtClean="0"/>
-              <a:t>contrôleurs de l’application.</a:t>
-            </a:r>
-          </a:p>
-          <a:p>
-            <a:pPr>
-              <a:buNone/>
-            </a:pPr>
-            <a:r>
-              <a:rPr lang="fr-FR" dirty="0" err="1" smtClean="0">
-                <a:solidFill>
-                  <a:srgbClr val="00B050"/>
-                </a:solidFill>
-              </a:rPr>
-              <a:t>app.controller</a:t>
-            </a:r>
-            <a:r>
-              <a:rPr lang="fr-FR" dirty="0" smtClean="0">
-                <a:solidFill>
-                  <a:srgbClr val="00B050"/>
-                </a:solidFill>
-              </a:rPr>
-              <a:t>(‘</a:t>
-            </a:r>
-            <a:r>
-              <a:rPr lang="fr-FR" dirty="0" err="1" smtClean="0">
-                <a:solidFill>
-                  <a:srgbClr val="00B050"/>
-                </a:solidFill>
-              </a:rPr>
-              <a:t>controllerName</a:t>
-            </a:r>
-            <a:r>
-              <a:rPr lang="fr-FR" dirty="0" smtClean="0">
-                <a:solidFill>
-                  <a:srgbClr val="00B050"/>
-                </a:solidFill>
-              </a:rPr>
-              <a:t>’, </a:t>
-            </a:r>
-            <a:r>
-              <a:rPr lang="fr-FR" dirty="0" err="1" smtClean="0">
-                <a:solidFill>
-                  <a:srgbClr val="00B050"/>
-                </a:solidFill>
-              </a:rPr>
-              <a:t>function</a:t>
-            </a:r>
-            <a:r>
-              <a:rPr lang="fr-FR" dirty="0" smtClean="0">
-                <a:solidFill>
-                  <a:srgbClr val="00B050"/>
-                </a:solidFill>
-              </a:rPr>
-              <a:t>($scope, $</a:t>
-            </a:r>
-            <a:r>
-              <a:rPr lang="fr-FR" dirty="0" err="1" smtClean="0">
-                <a:solidFill>
-                  <a:srgbClr val="00B050"/>
-                </a:solidFill>
-              </a:rPr>
-              <a:t>rootScope</a:t>
-            </a:r>
-            <a:r>
-              <a:rPr lang="fr-FR" dirty="0" smtClean="0">
-                <a:solidFill>
-                  <a:srgbClr val="00B050"/>
-                </a:solidFill>
-              </a:rPr>
-              <a:t>){…});</a:t>
-            </a:r>
-            <a:endParaRPr lang="fr-FR" dirty="0" smtClean="0"/>
+                  <a:srgbClr val="00B0F0"/>
+                </a:solidFill>
+              </a:rPr>
+              <a:t>-directive&gt;…&lt;/tag&gt;</a:t>
+            </a:r>
           </a:p>
           <a:p>
             <a:pPr>
@@ -6680,13 +5394,11 @@
             <a:endParaRPr lang="fr-FR" dirty="0" smtClean="0"/>
           </a:p>
           <a:p>
-            <a:pPr>
-              <a:buNone/>
-            </a:pPr>
-            <a:r>
-              <a:rPr lang="fr-FR" dirty="0" smtClean="0"/>
-              <a:t>https://docs.angularjs.org/api/ng/service/$rootScope</a:t>
-            </a:r>
+            <a:r>
+              <a:rPr lang="fr-FR" dirty="0" smtClean="0"/>
+              <a:t>https://docs.angularjs.org/guide/directive</a:t>
+            </a:r>
+            <a:endParaRPr lang="fr-FR" dirty="0"/>
           </a:p>
         </p:txBody>
       </p:sp>
@@ -6757,7 +5469,7 @@
 </p:sld>
 </file>
 
-<file path=ppt/slides/slide18.xml><?xml version="1.0" encoding="utf-8"?>
+<file path=ppt/slides/slide14.xml><?xml version="1.0" encoding="utf-8"?>
 <p:sld xmlns:a="http://schemas.openxmlformats.org/drawingml/2006/main" xmlns:r="http://schemas.openxmlformats.org/officeDocument/2006/relationships" xmlns:p="http://schemas.openxmlformats.org/presentationml/2006/main">
   <p:cSld>
     <p:spTree>
@@ -6791,7 +5503,7 @@
           <a:p>
             <a:r>
               <a:rPr lang="fr-FR" dirty="0" smtClean="0"/>
-              <a:t>Filtres</a:t>
+              <a:t>Directives</a:t>
             </a:r>
             <a:endParaRPr lang="fr-FR" dirty="0"/>
           </a:p>
@@ -6809,18 +5521,133 @@
         </p:nvSpPr>
         <p:spPr/>
         <p:txBody>
-          <a:bodyPr/>
+          <a:bodyPr>
+            <a:normAutofit/>
+          </a:bodyPr>
           <a:lstStyle/>
           <a:p>
             <a:r>
-              <a:rPr lang="fr-FR" dirty="0" smtClean="0"/>
-              <a:t>Un Filtre permet de formater une expression.</a:t>
-            </a:r>
-          </a:p>
-          <a:p>
-            <a:r>
-              <a:rPr lang="fr-FR" dirty="0" smtClean="0"/>
-              <a:t>Les filtres sont utilisés directement sur un </a:t>
+              <a:rPr lang="fr-FR" dirty="0" err="1" smtClean="0">
+                <a:solidFill>
+                  <a:srgbClr val="0070C0"/>
+                </a:solidFill>
+              </a:rPr>
+              <a:t>ng-app</a:t>
+            </a:r>
+            <a:r>
+              <a:rPr lang="fr-FR" dirty="0" smtClean="0"/>
+              <a:t> : Définit la racine de l’application (module).</a:t>
+            </a:r>
+          </a:p>
+          <a:p>
+            <a:r>
+              <a:rPr lang="fr-FR" dirty="0" err="1" smtClean="0">
+                <a:solidFill>
+                  <a:srgbClr val="0070C0"/>
+                </a:solidFill>
+              </a:rPr>
+              <a:t>ng</a:t>
+            </a:r>
+            <a:r>
+              <a:rPr lang="fr-FR" dirty="0" smtClean="0">
+                <a:solidFill>
+                  <a:srgbClr val="0070C0"/>
+                </a:solidFill>
+              </a:rPr>
+              <a:t>-</a:t>
+            </a:r>
+            <a:r>
+              <a:rPr lang="fr-FR" dirty="0" err="1" smtClean="0">
+                <a:solidFill>
+                  <a:srgbClr val="0070C0"/>
+                </a:solidFill>
+              </a:rPr>
+              <a:t>init</a:t>
+            </a:r>
+            <a:r>
+              <a:rPr lang="fr-FR" dirty="0" smtClean="0"/>
+              <a:t> : Initialise une ou plusieurs </a:t>
+            </a:r>
+            <a:r>
+              <a:rPr lang="fr-FR" dirty="0" smtClean="0"/>
+              <a:t>variables.</a:t>
+            </a:r>
+            <a:endParaRPr lang="fr-FR" dirty="0" smtClean="0"/>
+          </a:p>
+          <a:p>
+            <a:r>
+              <a:rPr lang="fr-FR" dirty="0" err="1" smtClean="0">
+                <a:solidFill>
+                  <a:srgbClr val="0070C0"/>
+                </a:solidFill>
+              </a:rPr>
+              <a:t>ng</a:t>
+            </a:r>
+            <a:r>
+              <a:rPr lang="fr-FR" dirty="0" smtClean="0">
+                <a:solidFill>
+                  <a:srgbClr val="0070C0"/>
+                </a:solidFill>
+              </a:rPr>
+              <a:t>-</a:t>
+            </a:r>
+            <a:r>
+              <a:rPr lang="fr-FR" dirty="0" err="1" smtClean="0">
+                <a:solidFill>
+                  <a:srgbClr val="0070C0"/>
+                </a:solidFill>
+              </a:rPr>
+              <a:t>bind</a:t>
+            </a:r>
+            <a:r>
+              <a:rPr lang="fr-FR" dirty="0" smtClean="0"/>
+              <a:t> : </a:t>
+            </a:r>
+            <a:r>
+              <a:rPr lang="fr-FR" dirty="0" err="1" smtClean="0"/>
+              <a:t>Binde</a:t>
+            </a:r>
+            <a:r>
+              <a:rPr lang="fr-FR" dirty="0" smtClean="0"/>
+              <a:t> le contenu d’un tag avec une </a:t>
+            </a:r>
+            <a:r>
+              <a:rPr lang="fr-FR" dirty="0" smtClean="0"/>
+              <a:t>variable ou </a:t>
+            </a:r>
+            <a:r>
+              <a:rPr lang="fr-FR" dirty="0" smtClean="0"/>
+              <a:t>une expression.</a:t>
+            </a:r>
+          </a:p>
+          <a:p>
+            <a:r>
+              <a:rPr lang="fr-FR" dirty="0" err="1" smtClean="0">
+                <a:solidFill>
+                  <a:srgbClr val="0070C0"/>
+                </a:solidFill>
+              </a:rPr>
+              <a:t>ng-bind-template</a:t>
+            </a:r>
+            <a:r>
+              <a:rPr lang="fr-FR" dirty="0"/>
+              <a:t> </a:t>
+            </a:r>
+            <a:r>
+              <a:rPr lang="fr-FR" dirty="0" smtClean="0"/>
+              <a:t>: </a:t>
+            </a:r>
+            <a:r>
+              <a:rPr lang="fr-FR" dirty="0" err="1"/>
+              <a:t>Binde</a:t>
+            </a:r>
+            <a:r>
+              <a:rPr lang="fr-FR" dirty="0"/>
+              <a:t> le contenu d’un tag </a:t>
+            </a:r>
+            <a:r>
+              <a:rPr lang="fr-FR" dirty="0" smtClean="0"/>
+              <a:t>avec un </a:t>
             </a:r>
             <a:r>
               <a:rPr lang="fr-FR" dirty="0" err="1" smtClean="0"/>
@@ -6828,104 +5655,50 @@
             </a:r>
             <a:r>
               <a:rPr lang="fr-FR" dirty="0" smtClean="0"/>
-              <a:t>.</a:t>
-            </a:r>
-          </a:p>
-          <a:p>
-            <a:pPr>
-              <a:buNone/>
-            </a:pPr>
+              <a:t> (un ou plusieurs expressions).</a:t>
+            </a:r>
+          </a:p>
+          <a:p>
+            <a:r>
+              <a:rPr lang="fr-FR" dirty="0" err="1" smtClean="0">
+                <a:solidFill>
+                  <a:srgbClr val="0070C0"/>
+                </a:solidFill>
+              </a:rPr>
+              <a:t>ng</a:t>
+            </a:r>
             <a:r>
               <a:rPr lang="fr-FR" dirty="0" smtClean="0">
                 <a:solidFill>
-                  <a:schemeClr val="accent1">
-                    <a:lumMod val="75000"/>
-                  </a:schemeClr>
-                </a:solidFill>
-              </a:rPr>
-              <a:t>{{ expression | filtre }}</a:t>
-            </a:r>
-          </a:p>
-          <a:p>
-            <a:r>
-              <a:rPr lang="fr-FR" dirty="0" smtClean="0"/>
-              <a:t>Plusieurs filtres peuvent être appliqués à une expressions (enchaînement de filtres).</a:t>
-            </a:r>
-          </a:p>
-          <a:p>
-            <a:pPr>
-              <a:buNone/>
-            </a:pPr>
-            <a:r>
-              <a:rPr lang="fr-FR" dirty="0" smtClean="0">
-                <a:solidFill>
-                  <a:schemeClr val="accent1">
-                    <a:lumMod val="75000"/>
-                  </a:schemeClr>
-                </a:solidFill>
-              </a:rPr>
-              <a:t>{{ expression | filtre1 | filtre2 | ... }}</a:t>
-            </a:r>
-          </a:p>
-          <a:p>
-            <a:r>
-              <a:rPr lang="fr-FR" dirty="0" smtClean="0"/>
-              <a:t>Un filtre peut avoir plusieurs paramètres.</a:t>
-            </a:r>
-          </a:p>
-          <a:p>
-            <a:pPr>
-              <a:buNone/>
-            </a:pPr>
-            <a:r>
-              <a:rPr lang="fr-FR" dirty="0" smtClean="0">
-                <a:solidFill>
-                  <a:schemeClr val="accent1">
-                    <a:lumMod val="75000"/>
-                  </a:schemeClr>
-                </a:solidFill>
-              </a:rPr>
-              <a:t>{{ expression | </a:t>
-            </a:r>
-            <a:r>
-              <a:rPr lang="fr-FR" dirty="0" err="1" smtClean="0">
-                <a:solidFill>
-                  <a:schemeClr val="accent1">
-                    <a:lumMod val="75000"/>
-                  </a:schemeClr>
-                </a:solidFill>
-              </a:rPr>
-              <a:t>filtre:param1</a:t>
-            </a:r>
-            <a:r>
-              <a:rPr lang="fr-FR" dirty="0" smtClean="0">
-                <a:solidFill>
-                  <a:schemeClr val="accent1">
-                    <a:lumMod val="75000"/>
-                  </a:schemeClr>
-                </a:solidFill>
-              </a:rPr>
-              <a:t>:param2</a:t>
-            </a:r>
-            <a:r>
-              <a:rPr lang="fr-FR" dirty="0" smtClean="0">
-                <a:solidFill>
-                  <a:schemeClr val="accent1">
-                    <a:lumMod val="75000"/>
-                  </a:schemeClr>
-                </a:solidFill>
-              </a:rPr>
-              <a:t>:... }}</a:t>
-            </a:r>
-          </a:p>
-          <a:p>
-            <a:pPr>
-              <a:buNone/>
-            </a:pPr>
-            <a:r>
-              <a:rPr lang="fr-FR" dirty="0" smtClean="0"/>
-              <a:t>https://docs.angularjs.org/guide/filter</a:t>
-            </a:r>
+                  <a:srgbClr val="0070C0"/>
+                </a:solidFill>
+              </a:rPr>
+              <a:t>-model </a:t>
+            </a:r>
+            <a:r>
+              <a:rPr lang="fr-FR" dirty="0"/>
+              <a:t>: </a:t>
+            </a:r>
+            <a:r>
+              <a:rPr lang="fr-FR" dirty="0" smtClean="0"/>
+              <a:t>permet de lier un INPUT, SELECT ou un </a:t>
+            </a:r>
+            <a:r>
+              <a:rPr lang="fr-FR" dirty="0" smtClean="0"/>
+              <a:t>TEXTAREA, … </a:t>
+            </a:r>
+            <a:r>
+              <a:rPr lang="fr-FR" dirty="0" smtClean="0"/>
+              <a:t>à une </a:t>
+            </a:r>
+            <a:r>
+              <a:rPr lang="fr-FR" dirty="0" smtClean="0"/>
+              <a:t>variable.</a:t>
+            </a:r>
+            <a:endParaRPr lang="fr-FR" dirty="0"/>
+          </a:p>
+          <a:p>
+            <a:endParaRPr lang="fr-FR" dirty="0"/>
           </a:p>
         </p:txBody>
       </p:sp>
@@ -6982,6 +5755,11 @@
         </p:spPr>
       </p:pic>
     </p:spTree>
+    <p:extLst>
+      <p:ext uri="{BB962C8B-B14F-4D97-AF65-F5344CB8AC3E}">
+        <p14:creationId xmlns="" xmlns:p14="http://schemas.microsoft.com/office/powerpoint/2010/main" val="758101336"/>
+      </p:ext>
+    </p:extLst>
   </p:cSld>
   <p:clrMapOvr>
     <a:masterClrMapping/>
@@ -6993,6 +5771,1090 @@
       </p:par>
     </p:tnLst>
   </p:timing>
+</p:sld>
+</file>
+
+<file path=ppt/slides/slide15.xml><?xml version="1.0" encoding="utf-8"?>
+<p:sld xmlns:a="http://schemas.openxmlformats.org/drawingml/2006/main" xmlns:r="http://schemas.openxmlformats.org/officeDocument/2006/relationships" xmlns:p="http://schemas.openxmlformats.org/presentationml/2006/main">
+  <p:cSld>
+    <p:spTree>
+      <p:nvGrpSpPr>
+        <p:cNvPr id="1" name=""/>
+        <p:cNvGrpSpPr/>
+        <p:nvPr/>
+      </p:nvGrpSpPr>
+      <p:grpSpPr>
+        <a:xfrm>
+          <a:off x="0" y="0"/>
+          <a:ext cx="0" cy="0"/>
+          <a:chOff x="0" y="0"/>
+          <a:chExt cx="0" cy="0"/>
+        </a:xfrm>
+      </p:grpSpPr>
+      <p:sp>
+        <p:nvSpPr>
+          <p:cNvPr id="2" name="Titre 1"/>
+          <p:cNvSpPr>
+            <a:spLocks noGrp="1"/>
+          </p:cNvSpPr>
+          <p:nvPr>
+            <p:ph type="title"/>
+          </p:nvPr>
+        </p:nvSpPr>
+        <p:spPr/>
+        <p:txBody>
+          <a:bodyPr/>
+          <a:lstStyle/>
+          <a:p>
+            <a:r>
+              <a:rPr lang="fr-FR" dirty="0" smtClean="0"/>
+              <a:t>Directives</a:t>
+            </a:r>
+            <a:endParaRPr lang="fr-FR" dirty="0"/>
+          </a:p>
+        </p:txBody>
+      </p:sp>
+      <p:sp>
+        <p:nvSpPr>
+          <p:cNvPr id="3" name="Espace réservé du contenu 2"/>
+          <p:cNvSpPr>
+            <a:spLocks noGrp="1"/>
+          </p:cNvSpPr>
+          <p:nvPr>
+            <p:ph idx="1"/>
+          </p:nvPr>
+        </p:nvSpPr>
+        <p:spPr/>
+        <p:txBody>
+          <a:bodyPr>
+            <a:normAutofit/>
+          </a:bodyPr>
+          <a:lstStyle/>
+          <a:p>
+            <a:r>
+              <a:rPr lang="fr-FR" dirty="0" err="1" smtClean="0">
+                <a:solidFill>
+                  <a:srgbClr val="0070C0"/>
+                </a:solidFill>
+              </a:rPr>
+              <a:t>ng-href</a:t>
+            </a:r>
+            <a:r>
+              <a:rPr lang="fr-FR" dirty="0" smtClean="0">
+                <a:solidFill>
+                  <a:srgbClr val="0070C0"/>
+                </a:solidFill>
+              </a:rPr>
+              <a:t> </a:t>
+            </a:r>
+            <a:r>
+              <a:rPr lang="fr-FR" dirty="0" smtClean="0"/>
+              <a:t>: permet de spécifier une URL.</a:t>
+            </a:r>
+          </a:p>
+          <a:p>
+            <a:r>
+              <a:rPr lang="fr-FR" dirty="0" err="1" smtClean="0">
+                <a:solidFill>
+                  <a:srgbClr val="0070C0"/>
+                </a:solidFill>
+              </a:rPr>
+              <a:t>ng-src</a:t>
+            </a:r>
+            <a:r>
+              <a:rPr lang="fr-FR" dirty="0" smtClean="0"/>
+              <a:t> : permet de spécifier un lien vers une image. </a:t>
+            </a:r>
+          </a:p>
+          <a:p>
+            <a:r>
+              <a:rPr lang="fr-FR" dirty="0" err="1" smtClean="0">
+                <a:solidFill>
+                  <a:srgbClr val="0070C0"/>
+                </a:solidFill>
+              </a:rPr>
+              <a:t>ng-repeat</a:t>
+            </a:r>
+            <a:r>
+              <a:rPr lang="fr-FR" dirty="0" smtClean="0">
+                <a:solidFill>
+                  <a:srgbClr val="0070C0"/>
+                </a:solidFill>
+              </a:rPr>
+              <a:t> </a:t>
+            </a:r>
+            <a:r>
+              <a:rPr lang="fr-FR" dirty="0" smtClean="0"/>
+              <a:t>: permet de répéter un </a:t>
+            </a:r>
+            <a:r>
+              <a:rPr lang="fr-FR" dirty="0" err="1" smtClean="0"/>
+              <a:t>template</a:t>
+            </a:r>
+            <a:r>
+              <a:rPr lang="fr-FR" dirty="0" smtClean="0"/>
+              <a:t> pour chaque élément dans une collection.</a:t>
+            </a:r>
+          </a:p>
+          <a:p>
+            <a:r>
+              <a:rPr lang="fr-FR" dirty="0" err="1" smtClean="0">
+                <a:solidFill>
+                  <a:srgbClr val="0070C0"/>
+                </a:solidFill>
+              </a:rPr>
+              <a:t>ng</a:t>
+            </a:r>
+            <a:r>
+              <a:rPr lang="fr-FR" dirty="0" smtClean="0">
+                <a:solidFill>
+                  <a:srgbClr val="0070C0"/>
+                </a:solidFill>
+              </a:rPr>
+              <a:t>-if : </a:t>
+            </a:r>
+            <a:r>
+              <a:rPr lang="fr-FR" dirty="0"/>
+              <a:t>supprime le </a:t>
+            </a:r>
+            <a:r>
+              <a:rPr lang="fr-FR" dirty="0" err="1"/>
+              <a:t>template</a:t>
+            </a:r>
+            <a:r>
+              <a:rPr lang="fr-FR" dirty="0"/>
+              <a:t> si la valeur est égale à false</a:t>
+            </a:r>
+            <a:r>
+              <a:rPr lang="fr-FR" dirty="0" smtClean="0"/>
+              <a:t>.</a:t>
+            </a:r>
+          </a:p>
+          <a:p>
+            <a:r>
+              <a:rPr lang="fr-FR" dirty="0" err="1" smtClean="0">
+                <a:solidFill>
+                  <a:srgbClr val="0070C0"/>
+                </a:solidFill>
+              </a:rPr>
+              <a:t>ng</a:t>
+            </a:r>
+            <a:r>
+              <a:rPr lang="fr-FR" dirty="0" smtClean="0">
+                <a:solidFill>
+                  <a:srgbClr val="0070C0"/>
+                </a:solidFill>
+              </a:rPr>
+              <a:t>-switch</a:t>
+            </a:r>
+            <a:r>
+              <a:rPr lang="fr-FR" dirty="0" smtClean="0"/>
+              <a:t> : permet d’afficher un seul </a:t>
+            </a:r>
+            <a:r>
+              <a:rPr lang="fr-FR" dirty="0" err="1" smtClean="0"/>
+              <a:t>temlate</a:t>
+            </a:r>
+            <a:r>
+              <a:rPr lang="fr-FR" dirty="0" smtClean="0"/>
+              <a:t> parmi plusieurs (</a:t>
+            </a:r>
+            <a:r>
+              <a:rPr lang="fr-FR" dirty="0" err="1" smtClean="0">
+                <a:solidFill>
+                  <a:srgbClr val="0070C0"/>
+                </a:solidFill>
+              </a:rPr>
+              <a:t>ng</a:t>
+            </a:r>
+            <a:r>
+              <a:rPr lang="fr-FR" dirty="0" smtClean="0">
+                <a:solidFill>
+                  <a:srgbClr val="0070C0"/>
+                </a:solidFill>
+              </a:rPr>
+              <a:t>-switch-</a:t>
+            </a:r>
+            <a:r>
+              <a:rPr lang="fr-FR" dirty="0" err="1" smtClean="0">
+                <a:solidFill>
+                  <a:srgbClr val="0070C0"/>
+                </a:solidFill>
+              </a:rPr>
+              <a:t>when</a:t>
+            </a:r>
+            <a:r>
+              <a:rPr lang="fr-FR" dirty="0" smtClean="0"/>
+              <a:t> / </a:t>
+            </a:r>
+            <a:r>
+              <a:rPr lang="fr-FR" dirty="0" err="1" smtClean="0">
+                <a:solidFill>
+                  <a:srgbClr val="0070C0"/>
+                </a:solidFill>
+              </a:rPr>
+              <a:t>ng</a:t>
+            </a:r>
+            <a:r>
+              <a:rPr lang="fr-FR" dirty="0" smtClean="0">
+                <a:solidFill>
+                  <a:srgbClr val="0070C0"/>
+                </a:solidFill>
+              </a:rPr>
+              <a:t>-switch-default</a:t>
+            </a:r>
+            <a:r>
+              <a:rPr lang="fr-FR" dirty="0" smtClean="0"/>
+              <a:t>)</a:t>
+            </a:r>
+            <a:endParaRPr lang="fr-FR" dirty="0"/>
+          </a:p>
+          <a:p>
+            <a:r>
+              <a:rPr lang="fr-FR" dirty="0" err="1">
+                <a:solidFill>
+                  <a:srgbClr val="0070C0"/>
+                </a:solidFill>
+              </a:rPr>
+              <a:t>ng-list</a:t>
+            </a:r>
+            <a:r>
+              <a:rPr lang="fr-FR" dirty="0">
+                <a:solidFill>
+                  <a:srgbClr val="0070C0"/>
+                </a:solidFill>
+              </a:rPr>
+              <a:t> </a:t>
+            </a:r>
+            <a:r>
+              <a:rPr lang="fr-FR" dirty="0"/>
+              <a:t>: transforme un </a:t>
+            </a:r>
+            <a:r>
+              <a:rPr lang="fr-FR" dirty="0" smtClean="0"/>
+              <a:t>texte à </a:t>
+            </a:r>
+            <a:r>
+              <a:rPr lang="fr-FR" dirty="0"/>
+              <a:t>une liste</a:t>
+            </a:r>
+            <a:r>
+              <a:rPr lang="fr-FR" dirty="0" smtClean="0"/>
+              <a:t>.</a:t>
+            </a:r>
+          </a:p>
+          <a:p>
+            <a:endParaRPr lang="fr-FR" dirty="0"/>
+          </a:p>
+        </p:txBody>
+      </p:sp>
+      <p:pic>
+        <p:nvPicPr>
+          <p:cNvPr id="4" name="Picture 2" descr="C:\Users\YA12ADAN\Desktop\angular\angularjs_logo.png"/>
+          <p:cNvPicPr>
+            <a:picLocks noChangeAspect="1" noChangeArrowheads="1"/>
+          </p:cNvPicPr>
+          <p:nvPr/>
+        </p:nvPicPr>
+        <p:blipFill>
+          <a:blip r:embed="rId3" cstate="print"/>
+          <a:srcRect/>
+          <a:stretch>
+            <a:fillRect/>
+          </a:stretch>
+        </p:blipFill>
+        <p:spPr bwMode="auto">
+          <a:xfrm>
+            <a:off x="7620000" y="5334000"/>
+            <a:ext cx="1524000" cy="1524000"/>
+          </a:xfrm>
+          <a:prstGeom prst="rect">
+            <a:avLst/>
+          </a:prstGeom>
+          <a:noFill/>
+        </p:spPr>
+      </p:pic>
+      <p:pic>
+        <p:nvPicPr>
+          <p:cNvPr id="6" name="Picture 2" descr="c:\users\moi\Desktop\maestro.png"/>
+          <p:cNvPicPr>
+            <a:picLocks noChangeAspect="1" noChangeArrowheads="1"/>
+          </p:cNvPicPr>
+          <p:nvPr/>
+        </p:nvPicPr>
+        <p:blipFill>
+          <a:blip r:embed="rId4"/>
+          <a:srcRect/>
+          <a:stretch>
+            <a:fillRect/>
+          </a:stretch>
+        </p:blipFill>
+        <p:spPr bwMode="auto">
+          <a:xfrm>
+            <a:off x="7215206" y="257299"/>
+            <a:ext cx="1858958" cy="1028561"/>
+          </a:xfrm>
+          <a:prstGeom prst="rect">
+            <a:avLst/>
+          </a:prstGeom>
+          <a:noFill/>
+        </p:spPr>
+      </p:pic>
+    </p:spTree>
+    <p:extLst>
+      <p:ext uri="{BB962C8B-B14F-4D97-AF65-F5344CB8AC3E}">
+        <p14:creationId xmlns="" xmlns:p14="http://schemas.microsoft.com/office/powerpoint/2010/main" val="2701200407"/>
+      </p:ext>
+    </p:extLst>
+  </p:cSld>
+  <p:clrMapOvr>
+    <a:masterClrMapping/>
+  </p:clrMapOvr>
+  <p:timing>
+    <p:tnLst>
+      <p:par>
+        <p:cTn id="1" dur="indefinite" restart="never" nodeType="tmRoot"/>
+      </p:par>
+    </p:tnLst>
+  </p:timing>
+</p:sld>
+</file>
+
+<file path=ppt/slides/slide16.xml><?xml version="1.0" encoding="utf-8"?>
+<p:sld xmlns:a="http://schemas.openxmlformats.org/drawingml/2006/main" xmlns:r="http://schemas.openxmlformats.org/officeDocument/2006/relationships" xmlns:p="http://schemas.openxmlformats.org/presentationml/2006/main">
+  <p:cSld>
+    <p:spTree>
+      <p:nvGrpSpPr>
+        <p:cNvPr id="1" name=""/>
+        <p:cNvGrpSpPr/>
+        <p:nvPr/>
+      </p:nvGrpSpPr>
+      <p:grpSpPr>
+        <a:xfrm>
+          <a:off x="0" y="0"/>
+          <a:ext cx="0" cy="0"/>
+          <a:chOff x="0" y="0"/>
+          <a:chExt cx="0" cy="0"/>
+        </a:xfrm>
+      </p:grpSpPr>
+      <p:sp>
+        <p:nvSpPr>
+          <p:cNvPr id="2" name="Titre 1"/>
+          <p:cNvSpPr>
+            <a:spLocks noGrp="1"/>
+          </p:cNvSpPr>
+          <p:nvPr>
+            <p:ph type="title"/>
+          </p:nvPr>
+        </p:nvSpPr>
+        <p:spPr/>
+        <p:txBody>
+          <a:bodyPr/>
+          <a:lstStyle/>
+          <a:p>
+            <a:r>
+              <a:rPr lang="fr-FR" dirty="0" smtClean="0"/>
+              <a:t>Events</a:t>
+            </a:r>
+            <a:endParaRPr lang="fr-FR" dirty="0"/>
+          </a:p>
+        </p:txBody>
+      </p:sp>
+      <p:sp>
+        <p:nvSpPr>
+          <p:cNvPr id="3" name="Espace réservé du contenu 2"/>
+          <p:cNvSpPr>
+            <a:spLocks noGrp="1"/>
+          </p:cNvSpPr>
+          <p:nvPr>
+            <p:ph idx="1"/>
+          </p:nvPr>
+        </p:nvSpPr>
+        <p:spPr/>
+        <p:txBody>
+          <a:bodyPr>
+            <a:normAutofit/>
+          </a:bodyPr>
+          <a:lstStyle/>
+          <a:p>
+            <a:pPr marL="365760" lvl="1" indent="0"/>
+            <a:r>
+              <a:rPr lang="fr-FR" dirty="0" smtClean="0"/>
+              <a:t> </a:t>
+            </a:r>
+            <a:r>
+              <a:rPr lang="fr-FR" dirty="0" err="1" smtClean="0"/>
+              <a:t>ng</a:t>
+            </a:r>
+            <a:r>
+              <a:rPr lang="fr-FR" dirty="0" smtClean="0"/>
+              <a:t>-change</a:t>
+            </a:r>
+            <a:r>
+              <a:rPr lang="fr-FR" dirty="0" smtClean="0"/>
+              <a:t>, </a:t>
+            </a:r>
+          </a:p>
+          <a:p>
+            <a:pPr marL="365760" lvl="1" indent="0"/>
+            <a:r>
+              <a:rPr lang="fr-FR" dirty="0" smtClean="0"/>
+              <a:t> </a:t>
+            </a:r>
+            <a:r>
+              <a:rPr lang="fr-FR" dirty="0" err="1" smtClean="0"/>
+              <a:t>ng</a:t>
+            </a:r>
+            <a:r>
+              <a:rPr lang="fr-FR" dirty="0" smtClean="0"/>
+              <a:t>-click</a:t>
+            </a:r>
+            <a:r>
+              <a:rPr lang="fr-FR" dirty="0" smtClean="0"/>
+              <a:t>, </a:t>
+            </a:r>
+            <a:r>
+              <a:rPr lang="fr-FR" dirty="0" err="1" smtClean="0"/>
+              <a:t>ng</a:t>
+            </a:r>
+            <a:r>
+              <a:rPr lang="fr-FR" dirty="0" smtClean="0"/>
+              <a:t>-</a:t>
+            </a:r>
+            <a:r>
+              <a:rPr lang="fr-FR" dirty="0" err="1" smtClean="0"/>
+              <a:t>dblclick</a:t>
+            </a:r>
+            <a:endParaRPr lang="fr-FR" dirty="0" smtClean="0"/>
+          </a:p>
+          <a:p>
+            <a:pPr marL="365760" lvl="1" indent="0"/>
+            <a:r>
+              <a:rPr lang="fr-FR" dirty="0" smtClean="0"/>
+              <a:t> </a:t>
+            </a:r>
+            <a:r>
+              <a:rPr lang="fr-FR" dirty="0" err="1" smtClean="0"/>
+              <a:t>ng</a:t>
+            </a:r>
+            <a:r>
+              <a:rPr lang="fr-FR" dirty="0" smtClean="0"/>
+              <a:t>-focus, </a:t>
+            </a:r>
+            <a:r>
+              <a:rPr lang="fr-FR" dirty="0" err="1" smtClean="0"/>
+              <a:t>ng</a:t>
+            </a:r>
+            <a:r>
+              <a:rPr lang="fr-FR" dirty="0" smtClean="0"/>
+              <a:t>-</a:t>
+            </a:r>
+            <a:r>
+              <a:rPr lang="fr-FR" dirty="0" err="1" smtClean="0"/>
+              <a:t>blur</a:t>
+            </a:r>
+            <a:r>
+              <a:rPr lang="fr-FR" dirty="0" smtClean="0"/>
+              <a:t>, </a:t>
+            </a:r>
+          </a:p>
+          <a:p>
+            <a:pPr marL="365760" lvl="1" indent="0"/>
+            <a:r>
+              <a:rPr lang="fr-FR" dirty="0" smtClean="0"/>
+              <a:t> </a:t>
+            </a:r>
+            <a:r>
+              <a:rPr lang="fr-FR" dirty="0" err="1" smtClean="0"/>
+              <a:t>ng</a:t>
+            </a:r>
+            <a:r>
+              <a:rPr lang="fr-FR" dirty="0" smtClean="0"/>
+              <a:t>-</a:t>
+            </a:r>
+            <a:r>
+              <a:rPr lang="fr-FR" dirty="0" err="1" smtClean="0"/>
+              <a:t>keyup</a:t>
+            </a:r>
+            <a:r>
+              <a:rPr lang="fr-FR" dirty="0" smtClean="0"/>
+              <a:t>, </a:t>
+            </a:r>
+            <a:r>
+              <a:rPr lang="fr-FR" dirty="0" err="1" smtClean="0"/>
+              <a:t>ng</a:t>
+            </a:r>
+            <a:r>
+              <a:rPr lang="fr-FR" dirty="0" smtClean="0"/>
+              <a:t>-</a:t>
+            </a:r>
+            <a:r>
+              <a:rPr lang="fr-FR" dirty="0" err="1" smtClean="0"/>
+              <a:t>keydown</a:t>
+            </a:r>
+            <a:r>
+              <a:rPr lang="fr-FR" dirty="0" smtClean="0"/>
+              <a:t>, </a:t>
+            </a:r>
+            <a:r>
+              <a:rPr lang="fr-FR" dirty="0" err="1" smtClean="0"/>
+              <a:t>ng</a:t>
+            </a:r>
+            <a:r>
+              <a:rPr lang="fr-FR" dirty="0" smtClean="0"/>
+              <a:t>-</a:t>
+            </a:r>
+            <a:r>
+              <a:rPr lang="fr-FR" dirty="0" err="1" smtClean="0"/>
+              <a:t>keypress</a:t>
+            </a:r>
+            <a:endParaRPr lang="fr-FR" dirty="0" smtClean="0"/>
+          </a:p>
+          <a:p>
+            <a:pPr marL="365760" lvl="1" indent="0"/>
+            <a:r>
+              <a:rPr lang="fr-FR" dirty="0" smtClean="0"/>
+              <a:t> </a:t>
+            </a:r>
+            <a:r>
+              <a:rPr lang="fr-FR" dirty="0" err="1" smtClean="0"/>
+              <a:t>ng</a:t>
+            </a:r>
+            <a:r>
+              <a:rPr lang="fr-FR" dirty="0" smtClean="0"/>
+              <a:t>-</a:t>
+            </a:r>
+            <a:r>
+              <a:rPr lang="fr-FR" dirty="0" err="1" smtClean="0"/>
+              <a:t>cut</a:t>
+            </a:r>
+            <a:r>
+              <a:rPr lang="fr-FR" dirty="0" smtClean="0"/>
+              <a:t>, </a:t>
+            </a:r>
+            <a:r>
+              <a:rPr lang="fr-FR" dirty="0" err="1" smtClean="0"/>
+              <a:t>ng</a:t>
+            </a:r>
+            <a:r>
+              <a:rPr lang="fr-FR" dirty="0" smtClean="0"/>
+              <a:t>-copy, </a:t>
+            </a:r>
+            <a:r>
+              <a:rPr lang="fr-FR" dirty="0" err="1" smtClean="0"/>
+              <a:t>ng</a:t>
+            </a:r>
+            <a:r>
+              <a:rPr lang="fr-FR" dirty="0" smtClean="0"/>
+              <a:t>-</a:t>
+            </a:r>
+            <a:r>
+              <a:rPr lang="fr-FR" dirty="0" err="1" smtClean="0"/>
+              <a:t>paste</a:t>
+            </a:r>
+            <a:r>
+              <a:rPr lang="fr-FR" dirty="0" smtClean="0"/>
+              <a:t>, </a:t>
+            </a:r>
+          </a:p>
+          <a:p>
+            <a:pPr marL="365760" lvl="1" indent="0"/>
+            <a:r>
+              <a:rPr lang="fr-FR" dirty="0" smtClean="0"/>
+              <a:t>….</a:t>
+            </a:r>
+            <a:endParaRPr lang="fr-FR" dirty="0"/>
+          </a:p>
+        </p:txBody>
+      </p:sp>
+      <p:pic>
+        <p:nvPicPr>
+          <p:cNvPr id="4" name="Picture 2" descr="C:\Users\YA12ADAN\Desktop\angular\angularjs_logo.png"/>
+          <p:cNvPicPr>
+            <a:picLocks noChangeAspect="1" noChangeArrowheads="1"/>
+          </p:cNvPicPr>
+          <p:nvPr/>
+        </p:nvPicPr>
+        <p:blipFill>
+          <a:blip r:embed="rId3" cstate="print"/>
+          <a:srcRect/>
+          <a:stretch>
+            <a:fillRect/>
+          </a:stretch>
+        </p:blipFill>
+        <p:spPr bwMode="auto">
+          <a:xfrm>
+            <a:off x="7620000" y="5334000"/>
+            <a:ext cx="1524000" cy="1524000"/>
+          </a:xfrm>
+          <a:prstGeom prst="rect">
+            <a:avLst/>
+          </a:prstGeom>
+          <a:noFill/>
+        </p:spPr>
+      </p:pic>
+      <p:pic>
+        <p:nvPicPr>
+          <p:cNvPr id="6" name="Picture 2" descr="c:\users\moi\Desktop\maestro.png"/>
+          <p:cNvPicPr>
+            <a:picLocks noChangeAspect="1" noChangeArrowheads="1"/>
+          </p:cNvPicPr>
+          <p:nvPr/>
+        </p:nvPicPr>
+        <p:blipFill>
+          <a:blip r:embed="rId4"/>
+          <a:srcRect/>
+          <a:stretch>
+            <a:fillRect/>
+          </a:stretch>
+        </p:blipFill>
+        <p:spPr bwMode="auto">
+          <a:xfrm>
+            <a:off x="7215206" y="257299"/>
+            <a:ext cx="1858958" cy="1028561"/>
+          </a:xfrm>
+          <a:prstGeom prst="rect">
+            <a:avLst/>
+          </a:prstGeom>
+          <a:noFill/>
+        </p:spPr>
+      </p:pic>
+    </p:spTree>
+    <p:extLst>
+      <p:ext uri="{BB962C8B-B14F-4D97-AF65-F5344CB8AC3E}">
+        <p14:creationId xmlns="" xmlns:p14="http://schemas.microsoft.com/office/powerpoint/2010/main" val="2868363210"/>
+      </p:ext>
+    </p:extLst>
+  </p:cSld>
+  <p:clrMapOvr>
+    <a:masterClrMapping/>
+  </p:clrMapOvr>
+  <p:timing>
+    <p:tnLst>
+      <p:par>
+        <p:cTn id="1" dur="indefinite" restart="never" nodeType="tmRoot"/>
+      </p:par>
+    </p:tnLst>
+  </p:timing>
+</p:sld>
+</file>
+
+<file path=ppt/slides/slide17.xml><?xml version="1.0" encoding="utf-8"?>
+<p:sld xmlns:a="http://schemas.openxmlformats.org/drawingml/2006/main" xmlns:r="http://schemas.openxmlformats.org/officeDocument/2006/relationships" xmlns:p="http://schemas.openxmlformats.org/presentationml/2006/main">
+  <p:cSld>
+    <p:spTree>
+      <p:nvGrpSpPr>
+        <p:cNvPr id="1" name=""/>
+        <p:cNvGrpSpPr/>
+        <p:nvPr/>
+      </p:nvGrpSpPr>
+      <p:grpSpPr>
+        <a:xfrm>
+          <a:off x="0" y="0"/>
+          <a:ext cx="0" cy="0"/>
+          <a:chOff x="0" y="0"/>
+          <a:chExt cx="0" cy="0"/>
+        </a:xfrm>
+      </p:grpSpPr>
+      <p:sp>
+        <p:nvSpPr>
+          <p:cNvPr id="2" name="Titre 1"/>
+          <p:cNvSpPr>
+            <a:spLocks noGrp="1"/>
+          </p:cNvSpPr>
+          <p:nvPr>
+            <p:ph type="title"/>
+          </p:nvPr>
+        </p:nvSpPr>
+        <p:spPr/>
+        <p:txBody>
+          <a:bodyPr/>
+          <a:lstStyle/>
+          <a:p>
+            <a:r>
+              <a:rPr lang="fr-FR" dirty="0" smtClean="0"/>
+              <a:t>Contrôleurs</a:t>
+            </a:r>
+            <a:endParaRPr lang="fr-FR" dirty="0"/>
+          </a:p>
+        </p:txBody>
+      </p:sp>
+      <p:sp>
+        <p:nvSpPr>
+          <p:cNvPr id="3" name="Espace réservé du contenu 2"/>
+          <p:cNvSpPr>
+            <a:spLocks noGrp="1"/>
+          </p:cNvSpPr>
+          <p:nvPr>
+            <p:ph idx="1"/>
+          </p:nvPr>
+        </p:nvSpPr>
+        <p:spPr/>
+        <p:txBody>
+          <a:bodyPr>
+            <a:normAutofit lnSpcReduction="10000"/>
+          </a:bodyPr>
+          <a:lstStyle/>
+          <a:p>
+            <a:r>
+              <a:rPr lang="fr-FR" dirty="0" smtClean="0"/>
+              <a:t>Un contrôleur permet de contrôler les données.</a:t>
+            </a:r>
+          </a:p>
+          <a:p>
+            <a:r>
+              <a:rPr lang="fr-FR" dirty="0" smtClean="0"/>
+              <a:t>Un contrôleur doit être déclarer dans un module. </a:t>
+            </a:r>
+          </a:p>
+          <a:p>
+            <a:pPr marL="0" indent="0">
+              <a:buNone/>
+            </a:pPr>
+            <a:r>
+              <a:rPr lang="fr-FR" dirty="0" smtClean="0">
+                <a:solidFill>
+                  <a:schemeClr val="accent1">
+                    <a:lumMod val="75000"/>
+                  </a:schemeClr>
+                </a:solidFill>
+              </a:rPr>
+              <a:t>&lt;tag </a:t>
+            </a:r>
+            <a:r>
+              <a:rPr lang="fr-FR" dirty="0" err="1" smtClean="0">
+                <a:solidFill>
+                  <a:schemeClr val="accent1">
+                    <a:lumMod val="75000"/>
+                  </a:schemeClr>
+                </a:solidFill>
+              </a:rPr>
+              <a:t>ng-controller</a:t>
+            </a:r>
+            <a:r>
+              <a:rPr lang="fr-FR" dirty="0" smtClean="0">
+                <a:solidFill>
+                  <a:schemeClr val="accent1">
+                    <a:lumMod val="75000"/>
+                  </a:schemeClr>
+                </a:solidFill>
+              </a:rPr>
+              <a:t>=‘</a:t>
+            </a:r>
+            <a:r>
+              <a:rPr lang="fr-FR" dirty="0" err="1">
+                <a:solidFill>
+                  <a:schemeClr val="accent1">
+                    <a:lumMod val="75000"/>
+                  </a:schemeClr>
+                </a:solidFill>
+              </a:rPr>
+              <a:t>controllerName</a:t>
+            </a:r>
+            <a:r>
+              <a:rPr lang="fr-FR" dirty="0" smtClean="0">
+                <a:solidFill>
+                  <a:schemeClr val="accent1">
+                    <a:lumMod val="75000"/>
+                  </a:schemeClr>
+                </a:solidFill>
+              </a:rPr>
+              <a:t>’&gt;…&lt;/tag&gt;</a:t>
+            </a:r>
+            <a:endParaRPr lang="fr-FR" dirty="0">
+              <a:solidFill>
+                <a:schemeClr val="accent1">
+                  <a:lumMod val="75000"/>
+                </a:schemeClr>
+              </a:solidFill>
+            </a:endParaRPr>
+          </a:p>
+          <a:p>
+            <a:pPr marL="0" indent="0">
+              <a:buNone/>
+            </a:pPr>
+            <a:r>
+              <a:rPr lang="fr-FR" dirty="0" err="1" smtClean="0">
+                <a:solidFill>
+                  <a:srgbClr val="00B050"/>
+                </a:solidFill>
+              </a:rPr>
+              <a:t>app.controller</a:t>
+            </a:r>
+            <a:r>
+              <a:rPr lang="fr-FR" dirty="0">
+                <a:solidFill>
+                  <a:srgbClr val="00B050"/>
+                </a:solidFill>
+              </a:rPr>
+              <a:t>(‘</a:t>
+            </a:r>
+            <a:r>
+              <a:rPr lang="fr-FR" dirty="0" err="1">
+                <a:solidFill>
+                  <a:srgbClr val="00B050"/>
+                </a:solidFill>
+              </a:rPr>
+              <a:t>controllerName</a:t>
+            </a:r>
+            <a:r>
+              <a:rPr lang="fr-FR" dirty="0">
+                <a:solidFill>
+                  <a:srgbClr val="00B050"/>
+                </a:solidFill>
+              </a:rPr>
+              <a:t>’, </a:t>
+            </a:r>
+            <a:endParaRPr lang="fr-FR" dirty="0" smtClean="0">
+              <a:solidFill>
+                <a:srgbClr val="00B050"/>
+              </a:solidFill>
+            </a:endParaRPr>
+          </a:p>
+          <a:p>
+            <a:pPr marL="0" indent="0">
+              <a:buNone/>
+            </a:pPr>
+            <a:r>
+              <a:rPr lang="fr-FR" dirty="0" smtClean="0">
+                <a:solidFill>
+                  <a:srgbClr val="00B050"/>
+                </a:solidFill>
+              </a:rPr>
+              <a:t>	</a:t>
+            </a:r>
+            <a:r>
+              <a:rPr lang="fr-FR" dirty="0" err="1" smtClean="0">
+                <a:solidFill>
+                  <a:srgbClr val="00B050"/>
+                </a:solidFill>
+              </a:rPr>
+              <a:t>function</a:t>
+            </a:r>
+            <a:r>
+              <a:rPr lang="fr-FR" dirty="0" smtClean="0">
+                <a:solidFill>
+                  <a:srgbClr val="00B050"/>
+                </a:solidFill>
+              </a:rPr>
+              <a:t>([dépendances]){…});</a:t>
+            </a:r>
+            <a:endParaRPr lang="fr-FR" dirty="0" smtClean="0">
+              <a:solidFill>
+                <a:srgbClr val="00B050"/>
+              </a:solidFill>
+            </a:endParaRPr>
+          </a:p>
+          <a:p>
+            <a:endParaRPr lang="fr-FR" dirty="0" smtClean="0"/>
+          </a:p>
+          <a:p>
+            <a:r>
+              <a:rPr lang="fr-FR" dirty="0" err="1"/>
+              <a:t>ng</a:t>
+            </a:r>
+            <a:r>
+              <a:rPr lang="fr-FR" dirty="0"/>
+              <a:t>-</a:t>
+            </a:r>
+            <a:r>
+              <a:rPr lang="fr-FR" dirty="0" err="1"/>
+              <a:t>controller</a:t>
+            </a:r>
+            <a:r>
+              <a:rPr lang="fr-FR" dirty="0"/>
+              <a:t> : est </a:t>
+            </a:r>
+            <a:r>
+              <a:rPr lang="fr-FR" dirty="0" smtClean="0"/>
+              <a:t>la directive </a:t>
+            </a:r>
+            <a:r>
+              <a:rPr lang="fr-FR" dirty="0"/>
+              <a:t>qui permet d’attacher un </a:t>
+            </a:r>
+            <a:r>
+              <a:rPr lang="fr-FR" dirty="0" smtClean="0"/>
+              <a:t>la vue au contrôleur. </a:t>
+            </a:r>
+          </a:p>
+          <a:p>
+            <a:endParaRPr lang="fr-FR" dirty="0" smtClean="0"/>
+          </a:p>
+          <a:p>
+            <a:r>
+              <a:rPr lang="fr-FR" dirty="0"/>
+              <a:t>https://docs.angularjs.org/guide/controller</a:t>
+            </a:r>
+          </a:p>
+          <a:p>
+            <a:endParaRPr lang="fr-FR" dirty="0"/>
+          </a:p>
+        </p:txBody>
+      </p:sp>
+      <p:pic>
+        <p:nvPicPr>
+          <p:cNvPr id="4" name="Picture 2" descr="C:\Users\YA12ADAN\Desktop\angular\angularjs_logo.png"/>
+          <p:cNvPicPr>
+            <a:picLocks noChangeAspect="1" noChangeArrowheads="1"/>
+          </p:cNvPicPr>
+          <p:nvPr/>
+        </p:nvPicPr>
+        <p:blipFill>
+          <a:blip r:embed="rId2" cstate="print"/>
+          <a:srcRect/>
+          <a:stretch>
+            <a:fillRect/>
+          </a:stretch>
+        </p:blipFill>
+        <p:spPr bwMode="auto">
+          <a:xfrm>
+            <a:off x="7620000" y="5334000"/>
+            <a:ext cx="1524000" cy="1524000"/>
+          </a:xfrm>
+          <a:prstGeom prst="rect">
+            <a:avLst/>
+          </a:prstGeom>
+          <a:noFill/>
+        </p:spPr>
+      </p:pic>
+      <p:pic>
+        <p:nvPicPr>
+          <p:cNvPr id="6" name="Picture 2" descr="c:\users\moi\Desktop\maestro.png"/>
+          <p:cNvPicPr>
+            <a:picLocks noChangeAspect="1" noChangeArrowheads="1"/>
+          </p:cNvPicPr>
+          <p:nvPr/>
+        </p:nvPicPr>
+        <p:blipFill>
+          <a:blip r:embed="rId3"/>
+          <a:srcRect/>
+          <a:stretch>
+            <a:fillRect/>
+          </a:stretch>
+        </p:blipFill>
+        <p:spPr bwMode="auto">
+          <a:xfrm>
+            <a:off x="7215206" y="257299"/>
+            <a:ext cx="1858958" cy="1028561"/>
+          </a:xfrm>
+          <a:prstGeom prst="rect">
+            <a:avLst/>
+          </a:prstGeom>
+          <a:noFill/>
+        </p:spPr>
+      </p:pic>
+    </p:spTree>
+    <p:extLst>
+      <p:ext uri="{BB962C8B-B14F-4D97-AF65-F5344CB8AC3E}">
+        <p14:creationId xmlns="" xmlns:p14="http://schemas.microsoft.com/office/powerpoint/2010/main" val="1650196199"/>
+      </p:ext>
+    </p:extLst>
+  </p:cSld>
+  <p:clrMapOvr>
+    <a:masterClrMapping/>
+  </p:clrMapOvr>
+  <p:timing>
+    <p:tnLst>
+      <p:par>
+        <p:cTn id="1" dur="indefinite" restart="never" nodeType="tmRoot"/>
+      </p:par>
+    </p:tnLst>
+  </p:timing>
+</p:sld>
+</file>
+
+<file path=ppt/slides/slide18.xml><?xml version="1.0" encoding="utf-8"?>
+<p:sld xmlns:a="http://schemas.openxmlformats.org/drawingml/2006/main" xmlns:r="http://schemas.openxmlformats.org/officeDocument/2006/relationships" xmlns:p="http://schemas.openxmlformats.org/presentationml/2006/main">
+  <p:cSld>
+    <p:spTree>
+      <p:nvGrpSpPr>
+        <p:cNvPr id="1" name=""/>
+        <p:cNvGrpSpPr/>
+        <p:nvPr/>
+      </p:nvGrpSpPr>
+      <p:grpSpPr>
+        <a:xfrm>
+          <a:off x="0" y="0"/>
+          <a:ext cx="0" cy="0"/>
+          <a:chOff x="0" y="0"/>
+          <a:chExt cx="0" cy="0"/>
+        </a:xfrm>
+      </p:grpSpPr>
+      <p:sp>
+        <p:nvSpPr>
+          <p:cNvPr id="2" name="Titre 1"/>
+          <p:cNvSpPr>
+            <a:spLocks noGrp="1"/>
+          </p:cNvSpPr>
+          <p:nvPr>
+            <p:ph type="title"/>
+          </p:nvPr>
+        </p:nvSpPr>
+        <p:spPr/>
+        <p:txBody>
+          <a:bodyPr/>
+          <a:lstStyle/>
+          <a:p>
+            <a:r>
+              <a:rPr lang="fr-FR" dirty="0" smtClean="0"/>
+              <a:t>Services</a:t>
+            </a:r>
+            <a:endParaRPr lang="fr-FR" dirty="0"/>
+          </a:p>
+        </p:txBody>
+      </p:sp>
+      <p:sp>
+        <p:nvSpPr>
+          <p:cNvPr id="3" name="Espace réservé du contenu 2"/>
+          <p:cNvSpPr>
+            <a:spLocks noGrp="1"/>
+          </p:cNvSpPr>
+          <p:nvPr>
+            <p:ph idx="1"/>
+          </p:nvPr>
+        </p:nvSpPr>
+        <p:spPr/>
+        <p:txBody>
+          <a:bodyPr/>
+          <a:lstStyle/>
+          <a:p>
+            <a:endParaRPr lang="fr-FR" dirty="0" smtClean="0"/>
+          </a:p>
+          <a:p>
+            <a:r>
+              <a:rPr lang="fr-FR" dirty="0" smtClean="0"/>
+              <a:t>Un service est une Fonction/Objet </a:t>
+            </a:r>
+            <a:endParaRPr lang="fr-FR" dirty="0" smtClean="0"/>
+          </a:p>
+          <a:p>
+            <a:endParaRPr lang="fr-FR" dirty="0" smtClean="0"/>
+          </a:p>
+          <a:p>
+            <a:endParaRPr lang="fr-FR" dirty="0" smtClean="0"/>
+          </a:p>
+          <a:p>
+            <a:endParaRPr lang="fr-FR" dirty="0" smtClean="0"/>
+          </a:p>
+          <a:p>
+            <a:r>
+              <a:rPr lang="fr-FR" dirty="0" smtClean="0"/>
+              <a:t>https</a:t>
+            </a:r>
+            <a:r>
+              <a:rPr lang="fr-FR" dirty="0" smtClean="0"/>
+              <a:t>://docs.angularjs.org/api/ng/service</a:t>
+            </a:r>
+            <a:endParaRPr lang="fr-FR" dirty="0"/>
+          </a:p>
+        </p:txBody>
+      </p:sp>
+    </p:spTree>
+  </p:cSld>
+  <p:clrMapOvr>
+    <a:masterClrMapping/>
+  </p:clrMapOvr>
 </p:sld>
 </file>
 
@@ -7028,10 +6890,6 @@
           <a:bodyPr/>
           <a:lstStyle/>
           <a:p>
-            <a:r>
-              <a:rPr lang="fr-FR" dirty="0" err="1" smtClean="0"/>
-              <a:t>Filters</a:t>
-            </a:r>
             <a:endParaRPr lang="fr-FR" dirty="0"/>
           </a:p>
         </p:txBody>
@@ -7052,80 +6910,58 @@
           <a:lstStyle/>
           <a:p>
             <a:r>
+              <a:rPr lang="fr-FR" dirty="0" smtClean="0"/>
+              <a:t>$</a:t>
+            </a:r>
+            <a:r>
               <a:rPr lang="fr-FR" dirty="0" err="1" smtClean="0"/>
-              <a:t>uppercase</a:t>
-            </a:r>
-            <a:r>
-              <a:rPr lang="fr-FR" dirty="0" smtClean="0"/>
-              <a:t> / </a:t>
+              <a:t>window</a:t>
+            </a:r>
+            <a:endParaRPr lang="fr-FR" dirty="0" smtClean="0"/>
+          </a:p>
+          <a:p>
+            <a:r>
+              <a:rPr lang="fr-FR" dirty="0" smtClean="0"/>
+              <a:t>$document</a:t>
+            </a:r>
+          </a:p>
+          <a:p>
+            <a:r>
+              <a:rPr lang="fr-FR" dirty="0" smtClean="0"/>
+              <a:t>$location</a:t>
+            </a:r>
+          </a:p>
+          <a:p>
+            <a:r>
+              <a:rPr lang="fr-FR" dirty="0" smtClean="0"/>
+              <a:t>$</a:t>
             </a:r>
             <a:r>
               <a:rPr lang="fr-FR" dirty="0" err="1" smtClean="0"/>
-              <a:t>lowercase</a:t>
+              <a:t>interval</a:t>
             </a:r>
             <a:endParaRPr lang="fr-FR" dirty="0" smtClean="0"/>
           </a:p>
           <a:p>
             <a:r>
-              <a:rPr lang="fr-FR" dirty="0" err="1" smtClean="0"/>
-              <a:t>number</a:t>
-            </a:r>
-            <a:r>
-              <a:rPr lang="fr-FR" dirty="0" smtClean="0"/>
-              <a:t> : format</a:t>
-            </a:r>
-          </a:p>
-          <a:p>
-            <a:r>
-              <a:rPr lang="fr-FR" dirty="0" smtClean="0"/>
-              <a:t>date : format</a:t>
-            </a:r>
-          </a:p>
-          <a:p>
-            <a:r>
-              <a:rPr lang="fr-FR" dirty="0" err="1" smtClean="0"/>
-              <a:t>currency</a:t>
-            </a:r>
-            <a:r>
-              <a:rPr lang="fr-FR" dirty="0" smtClean="0"/>
-              <a:t> : devise</a:t>
-            </a:r>
-          </a:p>
-          <a:p>
-            <a:r>
-              <a:rPr lang="fr-FR" dirty="0" err="1" smtClean="0"/>
-              <a:t>orderBy</a:t>
-            </a:r>
-            <a:r>
-              <a:rPr lang="fr-FR" dirty="0" smtClean="0"/>
-              <a:t> : </a:t>
-            </a:r>
-            <a:r>
-              <a:rPr lang="fr-FR" dirty="0" err="1" smtClean="0"/>
-              <a:t>column</a:t>
-            </a:r>
-            <a:r>
-              <a:rPr lang="fr-FR" dirty="0" smtClean="0"/>
-              <a:t> : </a:t>
-            </a:r>
-            <a:r>
-              <a:rPr lang="fr-FR" dirty="0" err="1" smtClean="0"/>
-              <a:t>desc</a:t>
-            </a:r>
+              <a:rPr lang="fr-FR" dirty="0" smtClean="0"/>
+              <a:t>$log</a:t>
+            </a:r>
+          </a:p>
+          <a:p>
+            <a:r>
+              <a:rPr lang="fr-FR" dirty="0" smtClean="0"/>
+              <a:t>…</a:t>
+            </a:r>
+          </a:p>
+          <a:p>
+            <a:r>
+              <a:rPr lang="fr-FR" dirty="0" smtClean="0"/>
+              <a:t>$http</a:t>
+            </a:r>
+          </a:p>
+          <a:p>
             <a:endParaRPr lang="fr-FR" dirty="0" smtClean="0"/>
-          </a:p>
-          <a:p>
-            <a:r>
-              <a:rPr lang="fr-FR" dirty="0" err="1" smtClean="0"/>
-              <a:t>filter</a:t>
-            </a:r>
-            <a:r>
-              <a:rPr lang="fr-FR" dirty="0" smtClean="0"/>
-              <a:t> : value</a:t>
-            </a:r>
-          </a:p>
-          <a:p>
-            <a:endParaRPr lang="fr-FR" dirty="0"/>
           </a:p>
         </p:txBody>
       </p:sp>
@@ -7324,7 +7160,7 @@
           <a:p>
             <a:r>
               <a:rPr lang="fr-FR" dirty="0" smtClean="0"/>
-              <a:t>HTTP</a:t>
+              <a:t>Scopes</a:t>
             </a:r>
             <a:endParaRPr lang="fr-FR" dirty="0"/>
           </a:p>
@@ -7342,42 +7178,62 @@
         </p:nvSpPr>
         <p:spPr/>
         <p:txBody>
-          <a:bodyPr/>
+          <a:bodyPr>
+            <a:normAutofit/>
+          </a:bodyPr>
           <a:lstStyle/>
           <a:p>
             <a:r>
               <a:rPr lang="fr-FR" dirty="0" smtClean="0"/>
-              <a:t>HTTP est un service </a:t>
+              <a:t>Un scope ($scope) représente le </a:t>
+            </a:r>
+            <a:r>
+              <a:rPr lang="fr-FR" i="1" dirty="0" err="1" smtClean="0"/>
+              <a:t>View</a:t>
+            </a:r>
+            <a:r>
+              <a:rPr lang="fr-FR" i="1" dirty="0" smtClean="0"/>
+              <a:t>-Model </a:t>
+            </a:r>
+            <a:r>
+              <a:rPr lang="fr-FR" dirty="0" smtClean="0"/>
+              <a:t>de l’architecture MVVM.</a:t>
+            </a:r>
+          </a:p>
+          <a:p>
+            <a:r>
+              <a:rPr lang="fr-FR" dirty="0" smtClean="0"/>
+              <a:t>Un scope permet de binder les données entre le contrôleur et la vue (</a:t>
             </a:r>
             <a:r>
               <a:rPr lang="fr-FR" dirty="0" err="1" smtClean="0"/>
-              <a:t>Angular</a:t>
-            </a:r>
-            <a:r>
-              <a:rPr lang="fr-FR" dirty="0" smtClean="0"/>
-              <a:t> qui permet la communication avec le serveur.</a:t>
-            </a:r>
-          </a:p>
-          <a:p>
-            <a:r>
-              <a:rPr lang="fr-FR" dirty="0" smtClean="0"/>
-              <a:t>HTTP se base sur l’objet </a:t>
+              <a:t>Two</a:t>
+            </a:r>
+            <a:r>
+              <a:rPr lang="fr-FR" dirty="0" smtClean="0"/>
+              <a:t> </a:t>
             </a:r>
             <a:r>
               <a:rPr lang="fr-FR" dirty="0" err="1" smtClean="0"/>
-              <a:t>XmlHttpRequest</a:t>
-            </a:r>
-            <a:r>
-              <a:rPr lang="fr-FR" dirty="0" smtClean="0"/>
-              <a:t> de </a:t>
+              <a:t>way</a:t>
+            </a:r>
+            <a:r>
+              <a:rPr lang="fr-FR" dirty="0" smtClean="0"/>
+              <a:t> data </a:t>
             </a:r>
             <a:r>
               <a:rPr lang="fr-FR" dirty="0" err="1" smtClean="0"/>
-              <a:t>javascript</a:t>
-            </a:r>
-            <a:r>
-              <a:rPr lang="fr-FR" dirty="0" smtClean="0"/>
-              <a:t>.</a:t>
+              <a:t>binding</a:t>
+            </a:r>
+            <a:r>
+              <a:rPr lang="fr-FR" dirty="0" smtClean="0"/>
+              <a:t>).</a:t>
+            </a:r>
+          </a:p>
+          <a:p>
+            <a:r>
+              <a:rPr lang="fr-FR" dirty="0" smtClean="0"/>
+              <a:t>Un scope garantie la séparation du contrôleur de la vue.</a:t>
             </a:r>
           </a:p>
           <a:p>
@@ -7385,6 +7241,516 @@
               <a:buNone/>
             </a:pPr>
             <a:r>
+              <a:rPr lang="fr-FR" dirty="0" smtClean="0"/>
+              <a:t> </a:t>
+            </a:r>
+            <a:r>
+              <a:rPr lang="fr-FR" dirty="0" err="1" smtClean="0">
+                <a:solidFill>
+                  <a:srgbClr val="00B050"/>
+                </a:solidFill>
+              </a:rPr>
+              <a:t>app.controller</a:t>
+            </a:r>
+            <a:r>
+              <a:rPr lang="fr-FR" dirty="0">
+                <a:solidFill>
+                  <a:srgbClr val="00B050"/>
+                </a:solidFill>
+              </a:rPr>
+              <a:t>(‘</a:t>
+            </a:r>
+            <a:r>
+              <a:rPr lang="fr-FR" dirty="0" err="1">
+                <a:solidFill>
+                  <a:srgbClr val="00B050"/>
+                </a:solidFill>
+              </a:rPr>
+              <a:t>controllerName</a:t>
+            </a:r>
+            <a:r>
+              <a:rPr lang="fr-FR" dirty="0">
+                <a:solidFill>
+                  <a:srgbClr val="00B050"/>
+                </a:solidFill>
+              </a:rPr>
+              <a:t>’, </a:t>
+            </a:r>
+            <a:r>
+              <a:rPr lang="fr-FR" dirty="0" err="1">
+                <a:solidFill>
+                  <a:srgbClr val="00B050"/>
+                </a:solidFill>
+              </a:rPr>
+              <a:t>function</a:t>
+            </a:r>
+            <a:r>
+              <a:rPr lang="fr-FR" dirty="0">
+                <a:solidFill>
+                  <a:srgbClr val="00B050"/>
+                </a:solidFill>
+              </a:rPr>
+              <a:t>($scope</a:t>
+            </a:r>
+            <a:r>
+              <a:rPr lang="fr-FR" dirty="0" smtClean="0">
+                <a:solidFill>
+                  <a:srgbClr val="00B050"/>
+                </a:solidFill>
+              </a:rPr>
+              <a:t>){…});</a:t>
+            </a:r>
+          </a:p>
+          <a:p>
+            <a:pPr>
+              <a:buNone/>
+            </a:pPr>
+            <a:endParaRPr lang="fr-FR" dirty="0"/>
+          </a:p>
+          <a:p>
+            <a:r>
+              <a:rPr lang="fr-FR" dirty="0"/>
+              <a:t>https://</a:t>
+            </a:r>
+            <a:r>
+              <a:rPr lang="fr-FR" dirty="0" smtClean="0"/>
+              <a:t>docs.angularjs.org/guide/scope</a:t>
+            </a:r>
+            <a:endParaRPr lang="fr-FR" dirty="0">
+              <a:solidFill>
+                <a:schemeClr val="tx1">
+                  <a:lumMod val="65000"/>
+                  <a:lumOff val="35000"/>
+                </a:schemeClr>
+              </a:solidFill>
+            </a:endParaRPr>
+          </a:p>
+          <a:p>
+            <a:endParaRPr lang="fr-FR" dirty="0" smtClean="0"/>
+          </a:p>
+          <a:p>
+            <a:endParaRPr lang="fr-FR" dirty="0"/>
+          </a:p>
+          <a:p>
+            <a:endParaRPr lang="fr-FR" dirty="0"/>
+          </a:p>
+        </p:txBody>
+      </p:sp>
+      <p:pic>
+        <p:nvPicPr>
+          <p:cNvPr id="4" name="Picture 2" descr="C:\Users\YA12ADAN\Desktop\angular\angularjs_logo.png"/>
+          <p:cNvPicPr>
+            <a:picLocks noChangeAspect="1" noChangeArrowheads="1"/>
+          </p:cNvPicPr>
+          <p:nvPr/>
+        </p:nvPicPr>
+        <p:blipFill>
+          <a:blip r:embed="rId3" cstate="print"/>
+          <a:srcRect/>
+          <a:stretch>
+            <a:fillRect/>
+          </a:stretch>
+        </p:blipFill>
+        <p:spPr bwMode="auto">
+          <a:xfrm>
+            <a:off x="7620000" y="5334000"/>
+            <a:ext cx="1524000" cy="1524000"/>
+          </a:xfrm>
+          <a:prstGeom prst="rect">
+            <a:avLst/>
+          </a:prstGeom>
+          <a:noFill/>
+        </p:spPr>
+      </p:pic>
+      <p:pic>
+        <p:nvPicPr>
+          <p:cNvPr id="6" name="Picture 2" descr="c:\users\moi\Desktop\maestro.png"/>
+          <p:cNvPicPr>
+            <a:picLocks noChangeAspect="1" noChangeArrowheads="1"/>
+          </p:cNvPicPr>
+          <p:nvPr/>
+        </p:nvPicPr>
+        <p:blipFill>
+          <a:blip r:embed="rId4"/>
+          <a:srcRect/>
+          <a:stretch>
+            <a:fillRect/>
+          </a:stretch>
+        </p:blipFill>
+        <p:spPr bwMode="auto">
+          <a:xfrm>
+            <a:off x="7215206" y="257299"/>
+            <a:ext cx="1858958" cy="1028561"/>
+          </a:xfrm>
+          <a:prstGeom prst="rect">
+            <a:avLst/>
+          </a:prstGeom>
+          <a:noFill/>
+        </p:spPr>
+      </p:pic>
+    </p:spTree>
+    <p:extLst>
+      <p:ext uri="{BB962C8B-B14F-4D97-AF65-F5344CB8AC3E}">
+        <p14:creationId xmlns="" xmlns:p14="http://schemas.microsoft.com/office/powerpoint/2010/main" val="1549084014"/>
+      </p:ext>
+    </p:extLst>
+  </p:cSld>
+  <p:clrMapOvr>
+    <a:masterClrMapping/>
+  </p:clrMapOvr>
+  <p:timing>
+    <p:tnLst>
+      <p:par>
+        <p:cTn id="1" dur="indefinite" restart="never" nodeType="tmRoot"/>
+      </p:par>
+    </p:tnLst>
+  </p:timing>
+</p:sld>
+</file>
+
+<file path=ppt/slides/slide21.xml><?xml version="1.0" encoding="utf-8"?>
+<p:sld xmlns:a="http://schemas.openxmlformats.org/drawingml/2006/main" xmlns:r="http://schemas.openxmlformats.org/officeDocument/2006/relationships" xmlns:p="http://schemas.openxmlformats.org/presentationml/2006/main">
+  <p:cSld>
+    <p:spTree>
+      <p:nvGrpSpPr>
+        <p:cNvPr id="1" name=""/>
+        <p:cNvGrpSpPr/>
+        <p:nvPr/>
+      </p:nvGrpSpPr>
+      <p:grpSpPr>
+        <a:xfrm>
+          <a:off x="0" y="0"/>
+          <a:ext cx="0" cy="0"/>
+          <a:chOff x="0" y="0"/>
+          <a:chExt cx="0" cy="0"/>
+        </a:xfrm>
+      </p:grpSpPr>
+      <p:sp>
+        <p:nvSpPr>
+          <p:cNvPr id="2" name="Titre 1"/>
+          <p:cNvSpPr>
+            <a:spLocks noGrp="1"/>
+          </p:cNvSpPr>
+          <p:nvPr>
+            <p:ph type="title"/>
+          </p:nvPr>
+        </p:nvSpPr>
+        <p:spPr/>
+        <p:txBody>
+          <a:bodyPr/>
+          <a:lstStyle/>
+          <a:p>
+            <a:r>
+              <a:rPr lang="fr-FR" dirty="0" err="1" smtClean="0"/>
+              <a:t>RootScope</a:t>
+            </a:r>
+            <a:endParaRPr lang="fr-FR" dirty="0"/>
+          </a:p>
+        </p:txBody>
+      </p:sp>
+      <p:sp>
+        <p:nvSpPr>
+          <p:cNvPr id="3" name="Espace réservé du contenu 2"/>
+          <p:cNvSpPr>
+            <a:spLocks noGrp="1"/>
+          </p:cNvSpPr>
+          <p:nvPr>
+            <p:ph idx="1"/>
+          </p:nvPr>
+        </p:nvSpPr>
+        <p:spPr/>
+        <p:txBody>
+          <a:bodyPr>
+            <a:normAutofit/>
+          </a:bodyPr>
+          <a:lstStyle/>
+          <a:p>
+            <a:r>
+              <a:rPr lang="fr-FR" dirty="0" err="1" smtClean="0"/>
+              <a:t>RootScope</a:t>
+            </a:r>
+            <a:r>
+              <a:rPr lang="fr-FR" dirty="0" smtClean="0"/>
+              <a:t> est un scope globale.</a:t>
+            </a:r>
+          </a:p>
+          <a:p>
+            <a:r>
+              <a:rPr lang="fr-FR" dirty="0" smtClean="0"/>
+              <a:t>Chaque application dispose d’un </a:t>
+            </a:r>
+            <a:r>
+              <a:rPr lang="fr-FR" dirty="0" err="1" smtClean="0"/>
+              <a:t>RootScope</a:t>
+            </a:r>
+            <a:r>
+              <a:rPr lang="fr-FR" dirty="0" smtClean="0"/>
+              <a:t> unique.</a:t>
+            </a:r>
+          </a:p>
+          <a:p>
+            <a:r>
+              <a:rPr lang="fr-FR" dirty="0" smtClean="0"/>
+              <a:t>Le </a:t>
+            </a:r>
+            <a:r>
+              <a:rPr lang="fr-FR" dirty="0" err="1" smtClean="0"/>
+              <a:t>rootScope</a:t>
+            </a:r>
+            <a:r>
+              <a:rPr lang="fr-FR" dirty="0" smtClean="0"/>
+              <a:t> est accessible par toutes les vues et tous  contrôleurs de l’application.</a:t>
+            </a:r>
+          </a:p>
+          <a:p>
+            <a:pPr>
+              <a:buNone/>
+            </a:pPr>
+            <a:r>
+              <a:rPr lang="fr-FR" dirty="0" err="1" smtClean="0">
+                <a:solidFill>
+                  <a:srgbClr val="00B050"/>
+                </a:solidFill>
+              </a:rPr>
+              <a:t>app.controller</a:t>
+            </a:r>
+            <a:r>
+              <a:rPr lang="fr-FR" dirty="0" smtClean="0">
+                <a:solidFill>
+                  <a:srgbClr val="00B050"/>
+                </a:solidFill>
+              </a:rPr>
+              <a:t>(‘</a:t>
+            </a:r>
+            <a:r>
+              <a:rPr lang="fr-FR" dirty="0" err="1" smtClean="0">
+                <a:solidFill>
+                  <a:srgbClr val="00B050"/>
+                </a:solidFill>
+              </a:rPr>
+              <a:t>controllerName</a:t>
+            </a:r>
+            <a:r>
+              <a:rPr lang="fr-FR" dirty="0" smtClean="0">
+                <a:solidFill>
+                  <a:srgbClr val="00B050"/>
+                </a:solidFill>
+              </a:rPr>
+              <a:t>’, </a:t>
+            </a:r>
+            <a:r>
+              <a:rPr lang="fr-FR" dirty="0" err="1" smtClean="0">
+                <a:solidFill>
+                  <a:srgbClr val="00B050"/>
+                </a:solidFill>
+              </a:rPr>
+              <a:t>function</a:t>
+            </a:r>
+            <a:r>
+              <a:rPr lang="fr-FR" dirty="0" smtClean="0">
+                <a:solidFill>
+                  <a:srgbClr val="00B050"/>
+                </a:solidFill>
+              </a:rPr>
+              <a:t>($scope, $</a:t>
+            </a:r>
+            <a:r>
+              <a:rPr lang="fr-FR" dirty="0" err="1" smtClean="0">
+                <a:solidFill>
+                  <a:srgbClr val="00B050"/>
+                </a:solidFill>
+              </a:rPr>
+              <a:t>rootScope</a:t>
+            </a:r>
+            <a:r>
+              <a:rPr lang="fr-FR" dirty="0" smtClean="0">
+                <a:solidFill>
+                  <a:srgbClr val="00B050"/>
+                </a:solidFill>
+              </a:rPr>
+              <a:t>){…});</a:t>
+            </a:r>
+            <a:endParaRPr lang="fr-FR" dirty="0" smtClean="0"/>
+          </a:p>
+          <a:p>
+            <a:pPr>
+              <a:buNone/>
+            </a:pPr>
+            <a:endParaRPr lang="fr-FR" dirty="0" smtClean="0"/>
+          </a:p>
+          <a:p>
+            <a:pPr>
+              <a:buNone/>
+            </a:pPr>
+            <a:r>
+              <a:rPr lang="fr-FR" dirty="0" smtClean="0"/>
+              <a:t>https://docs.angularjs.org/api/ng/service/$rootScope</a:t>
+            </a:r>
+          </a:p>
+        </p:txBody>
+      </p:sp>
+      <p:pic>
+        <p:nvPicPr>
+          <p:cNvPr id="4" name="Picture 2" descr="C:\Users\YA12ADAN\Desktop\angular\angularjs_logo.png"/>
+          <p:cNvPicPr>
+            <a:picLocks noChangeAspect="1" noChangeArrowheads="1"/>
+          </p:cNvPicPr>
+          <p:nvPr/>
+        </p:nvPicPr>
+        <p:blipFill>
+          <a:blip r:embed="rId2" cstate="print"/>
+          <a:srcRect/>
+          <a:stretch>
+            <a:fillRect/>
+          </a:stretch>
+        </p:blipFill>
+        <p:spPr bwMode="auto">
+          <a:xfrm>
+            <a:off x="7620000" y="5334000"/>
+            <a:ext cx="1524000" cy="1524000"/>
+          </a:xfrm>
+          <a:prstGeom prst="rect">
+            <a:avLst/>
+          </a:prstGeom>
+          <a:noFill/>
+        </p:spPr>
+      </p:pic>
+      <p:pic>
+        <p:nvPicPr>
+          <p:cNvPr id="6" name="Picture 2" descr="c:\users\moi\Desktop\maestro.png"/>
+          <p:cNvPicPr>
+            <a:picLocks noChangeAspect="1" noChangeArrowheads="1"/>
+          </p:cNvPicPr>
+          <p:nvPr/>
+        </p:nvPicPr>
+        <p:blipFill>
+          <a:blip r:embed="rId3"/>
+          <a:srcRect/>
+          <a:stretch>
+            <a:fillRect/>
+          </a:stretch>
+        </p:blipFill>
+        <p:spPr bwMode="auto">
+          <a:xfrm>
+            <a:off x="7215206" y="257299"/>
+            <a:ext cx="1858958" cy="1028561"/>
+          </a:xfrm>
+          <a:prstGeom prst="rect">
+            <a:avLst/>
+          </a:prstGeom>
+          <a:noFill/>
+        </p:spPr>
+      </p:pic>
+    </p:spTree>
+  </p:cSld>
+  <p:clrMapOvr>
+    <a:masterClrMapping/>
+  </p:clrMapOvr>
+  <p:timing>
+    <p:tnLst>
+      <p:par>
+        <p:cTn id="1" dur="indefinite" restart="never" nodeType="tmRoot"/>
+      </p:par>
+    </p:tnLst>
+  </p:timing>
+</p:sld>
+</file>
+
+<file path=ppt/slides/slide22.xml><?xml version="1.0" encoding="utf-8"?>
+<p:sld xmlns:a="http://schemas.openxmlformats.org/drawingml/2006/main" xmlns:r="http://schemas.openxmlformats.org/officeDocument/2006/relationships" xmlns:p="http://schemas.openxmlformats.org/presentationml/2006/main">
+  <p:cSld>
+    <p:spTree>
+      <p:nvGrpSpPr>
+        <p:cNvPr id="1" name=""/>
+        <p:cNvGrpSpPr/>
+        <p:nvPr/>
+      </p:nvGrpSpPr>
+      <p:grpSpPr>
+        <a:xfrm>
+          <a:off x="0" y="0"/>
+          <a:ext cx="0" cy="0"/>
+          <a:chOff x="0" y="0"/>
+          <a:chExt cx="0" cy="0"/>
+        </a:xfrm>
+      </p:grpSpPr>
+      <p:sp>
+        <p:nvSpPr>
+          <p:cNvPr id="2" name="Titre 1"/>
+          <p:cNvSpPr>
+            <a:spLocks noGrp="1"/>
+          </p:cNvSpPr>
+          <p:nvPr>
+            <p:ph type="title"/>
+          </p:nvPr>
+        </p:nvSpPr>
+        <p:spPr/>
+        <p:txBody>
+          <a:bodyPr/>
+          <a:lstStyle/>
+          <a:p>
+            <a:r>
+              <a:rPr lang="fr-FR" dirty="0" smtClean="0"/>
+              <a:t>HTTP</a:t>
+            </a:r>
+            <a:endParaRPr lang="fr-FR" dirty="0"/>
+          </a:p>
+        </p:txBody>
+      </p:sp>
+      <p:sp>
+        <p:nvSpPr>
+          <p:cNvPr id="3" name="Espace réservé du contenu 2"/>
+          <p:cNvSpPr>
+            <a:spLocks noGrp="1"/>
+          </p:cNvSpPr>
+          <p:nvPr>
+            <p:ph idx="1"/>
+          </p:nvPr>
+        </p:nvSpPr>
+        <p:spPr/>
+        <p:txBody>
+          <a:bodyPr/>
+          <a:lstStyle/>
+          <a:p>
+            <a:r>
+              <a:rPr lang="fr-FR" dirty="0" smtClean="0"/>
+              <a:t>HTTP est un service </a:t>
+            </a:r>
+            <a:r>
+              <a:rPr lang="fr-FR" dirty="0" err="1" smtClean="0"/>
+              <a:t>Angular</a:t>
+            </a:r>
+            <a:r>
+              <a:rPr lang="fr-FR" dirty="0" smtClean="0"/>
+              <a:t> qui permet la communication avec le serveur.</a:t>
+            </a:r>
+          </a:p>
+          <a:p>
+            <a:r>
+              <a:rPr lang="fr-FR" dirty="0" smtClean="0"/>
+              <a:t>HTTP se base sur l’objet </a:t>
+            </a:r>
+            <a:r>
+              <a:rPr lang="fr-FR" dirty="0" err="1" smtClean="0"/>
+              <a:t>XmlHttpRequest</a:t>
+            </a:r>
+            <a:r>
+              <a:rPr lang="fr-FR" dirty="0" smtClean="0"/>
+              <a:t> de </a:t>
+            </a:r>
+            <a:r>
+              <a:rPr lang="fr-FR" dirty="0" err="1" smtClean="0"/>
+              <a:t>javascript</a:t>
+            </a:r>
+            <a:r>
+              <a:rPr lang="fr-FR" dirty="0" smtClean="0"/>
+              <a:t>.</a:t>
+            </a:r>
+          </a:p>
+          <a:p>
+            <a:pPr>
+              <a:buNone/>
+            </a:pPr>
+            <a:r>
               <a:rPr lang="fr-FR" dirty="0" smtClean="0">
                 <a:solidFill>
                   <a:schemeClr val="accent1">
@@ -7508,17 +7874,17 @@
                   </a:schemeClr>
                 </a:solidFill>
               </a:rPr>
-              <a:t>$</a:t>
-            </a:r>
-            <a:r>
-              <a:rPr lang="fr-FR" dirty="0" smtClean="0">
+              <a:t>$http.post(‘URL’).</a:t>
+            </a:r>
+            <a:r>
+              <a:rPr lang="fr-FR" dirty="0" err="1" smtClean="0">
                 <a:solidFill>
                   <a:schemeClr val="accent1">
                     <a:lumMod val="75000"/>
                   </a:schemeClr>
                 </a:solidFill>
               </a:rPr>
-              <a:t>http.post(‘</a:t>
+              <a:t>success</a:t>
             </a:r>
             <a:r>
               <a:rPr lang="fr-FR" dirty="0" smtClean="0">
@@ -7528,7 +7894,7 @@
                   </a:schemeClr>
                 </a:solidFill>
               </a:rPr>
-              <a:t>URL’).</a:t>
+              <a:t>(</a:t>
             </a:r>
             <a:r>
               <a:rPr lang="fr-FR" dirty="0" err="1" smtClean="0">
@@ -7538,7 +7904,7 @@
                   </a:schemeClr>
                 </a:solidFill>
               </a:rPr>
-              <a:t>success</a:t>
+              <a:t>function</a:t>
             </a:r>
             <a:r>
               <a:rPr lang="fr-FR" dirty="0" smtClean="0">
@@ -7558,7 +7924,7 @@
                   </a:schemeClr>
                 </a:solidFill>
               </a:rPr>
-              <a:t>function</a:t>
+              <a:t>res</a:t>
             </a:r>
             <a:r>
               <a:rPr lang="fr-FR" dirty="0" smtClean="0">
@@ -7568,7 +7934,7 @@
                   </a:schemeClr>
                 </a:solidFill>
               </a:rPr>
-              <a:t>(</a:t>
+              <a:t>){…}).</a:t>
             </a:r>
             <a:r>
               <a:rPr lang="fr-FR" dirty="0" err="1" smtClean="0">
@@ -7578,17 +7944,514 @@
                   </a:schemeClr>
                 </a:solidFill>
               </a:rPr>
-              <a:t>res</a:t>
-            </a:r>
-            <a:r>
-              <a:rPr lang="fr-FR" smtClean="0">
+              <a:t>error</a:t>
+            </a:r>
+            <a:r>
+              <a:rPr lang="fr-FR" dirty="0" smtClean="0">
                 <a:solidFill>
                   <a:schemeClr val="accent1">
                     <a:lumMod val="75000"/>
                   </a:schemeClr>
                 </a:solidFill>
               </a:rPr>
-              <a:t>){…}).</a:t>
+              <a:t>(</a:t>
+            </a:r>
+            <a:r>
+              <a:rPr lang="fr-FR" dirty="0" err="1" smtClean="0">
+                <a:solidFill>
+                  <a:schemeClr val="accent1">
+                    <a:lumMod val="75000"/>
+                  </a:schemeClr>
+                </a:solidFill>
+              </a:rPr>
+              <a:t>msg</a:t>
+            </a:r>
+            <a:r>
+              <a:rPr lang="fr-FR" dirty="0" smtClean="0">
+                <a:solidFill>
+                  <a:schemeClr val="accent1">
+                    <a:lumMod val="75000"/>
+                  </a:schemeClr>
+                </a:solidFill>
+              </a:rPr>
+              <a:t>, code){…}</a:t>
+            </a:r>
+          </a:p>
+          <a:p>
+            <a:pPr>
+              <a:buNone/>
+            </a:pPr>
+            <a:endParaRPr lang="fr-FR" dirty="0" smtClean="0">
+              <a:solidFill>
+                <a:schemeClr val="accent1">
+                  <a:lumMod val="75000"/>
+                </a:schemeClr>
+              </a:solidFill>
+            </a:endParaRPr>
+          </a:p>
+        </p:txBody>
+      </p:sp>
+      <p:pic>
+        <p:nvPicPr>
+          <p:cNvPr id="4" name="Picture 2" descr="C:\Users\YA12ADAN\Desktop\angular\angularjs_logo.png"/>
+          <p:cNvPicPr>
+            <a:picLocks noChangeAspect="1" noChangeArrowheads="1"/>
+          </p:cNvPicPr>
+          <p:nvPr/>
+        </p:nvPicPr>
+        <p:blipFill>
+          <a:blip r:embed="rId2" cstate="print"/>
+          <a:srcRect/>
+          <a:stretch>
+            <a:fillRect/>
+          </a:stretch>
+        </p:blipFill>
+        <p:spPr bwMode="auto">
+          <a:xfrm>
+            <a:off x="7620000" y="5334000"/>
+            <a:ext cx="1524000" cy="1524000"/>
+          </a:xfrm>
+          <a:prstGeom prst="rect">
+            <a:avLst/>
+          </a:prstGeom>
+          <a:noFill/>
+        </p:spPr>
+      </p:pic>
+      <p:pic>
+        <p:nvPicPr>
+          <p:cNvPr id="6" name="Picture 2" descr="c:\users\moi\Desktop\maestro.png"/>
+          <p:cNvPicPr>
+            <a:picLocks noChangeAspect="1" noChangeArrowheads="1"/>
+          </p:cNvPicPr>
+          <p:nvPr/>
+        </p:nvPicPr>
+        <p:blipFill>
+          <a:blip r:embed="rId3"/>
+          <a:srcRect/>
+          <a:stretch>
+            <a:fillRect/>
+          </a:stretch>
+        </p:blipFill>
+        <p:spPr bwMode="auto">
+          <a:xfrm>
+            <a:off x="7215206" y="257299"/>
+            <a:ext cx="1858958" cy="1028561"/>
+          </a:xfrm>
+          <a:prstGeom prst="rect">
+            <a:avLst/>
+          </a:prstGeom>
+          <a:noFill/>
+        </p:spPr>
+      </p:pic>
+    </p:spTree>
+  </p:cSld>
+  <p:clrMapOvr>
+    <a:masterClrMapping/>
+  </p:clrMapOvr>
+  <p:timing>
+    <p:tnLst>
+      <p:par>
+        <p:cTn id="1" dur="indefinite" restart="never" nodeType="tmRoot"/>
+      </p:par>
+    </p:tnLst>
+  </p:timing>
+</p:sld>
+</file>
+
+<file path=ppt/slides/slide23.xml><?xml version="1.0" encoding="utf-8"?>
+<p:sld xmlns:a="http://schemas.openxmlformats.org/drawingml/2006/main" xmlns:r="http://schemas.openxmlformats.org/officeDocument/2006/relationships" xmlns:p="http://schemas.openxmlformats.org/presentationml/2006/main">
+  <p:cSld>
+    <p:spTree>
+      <p:nvGrpSpPr>
+        <p:cNvPr id="1" name=""/>
+        <p:cNvGrpSpPr/>
+        <p:nvPr/>
+      </p:nvGrpSpPr>
+      <p:grpSpPr>
+        <a:xfrm>
+          <a:off x="0" y="0"/>
+          <a:ext cx="0" cy="0"/>
+          <a:chOff x="0" y="0"/>
+          <a:chExt cx="0" cy="0"/>
+        </a:xfrm>
+      </p:grpSpPr>
+      <p:sp>
+        <p:nvSpPr>
+          <p:cNvPr id="2" name="Titre 1"/>
+          <p:cNvSpPr>
+            <a:spLocks noGrp="1"/>
+          </p:cNvSpPr>
+          <p:nvPr>
+            <p:ph type="title"/>
+          </p:nvPr>
+        </p:nvSpPr>
+        <p:spPr/>
+        <p:txBody>
+          <a:bodyPr/>
+          <a:lstStyle/>
+          <a:p>
+            <a:r>
+              <a:rPr lang="fr-FR" dirty="0" smtClean="0"/>
+              <a:t>HTTP</a:t>
+            </a:r>
+            <a:endParaRPr lang="fr-FR" dirty="0"/>
+          </a:p>
+        </p:txBody>
+      </p:sp>
+      <p:sp>
+        <p:nvSpPr>
+          <p:cNvPr id="3" name="Espace réservé du contenu 2"/>
+          <p:cNvSpPr>
+            <a:spLocks noGrp="1"/>
+          </p:cNvSpPr>
+          <p:nvPr>
+            <p:ph idx="1"/>
+          </p:nvPr>
+        </p:nvSpPr>
+        <p:spPr/>
+        <p:txBody>
+          <a:bodyPr/>
+          <a:lstStyle/>
+          <a:p>
+            <a:r>
+              <a:rPr lang="fr-FR" dirty="0" smtClean="0"/>
+              <a:t>GET</a:t>
+            </a:r>
+          </a:p>
+          <a:p>
+            <a:pPr>
+              <a:buNone/>
+            </a:pPr>
+            <a:r>
+              <a:rPr lang="fr-FR" dirty="0" smtClean="0">
+                <a:solidFill>
+                  <a:schemeClr val="accent1">
+                    <a:lumMod val="75000"/>
+                  </a:schemeClr>
+                </a:solidFill>
+              </a:rPr>
+              <a:t>$</a:t>
+            </a:r>
+            <a:r>
+              <a:rPr lang="fr-FR" dirty="0" smtClean="0">
+                <a:solidFill>
+                  <a:schemeClr val="accent1">
+                    <a:lumMod val="75000"/>
+                  </a:schemeClr>
+                </a:solidFill>
+              </a:rPr>
+              <a:t>http.get(‘URL</a:t>
+            </a:r>
+            <a:r>
+              <a:rPr lang="fr-FR" dirty="0" smtClean="0">
+                <a:solidFill>
+                  <a:schemeClr val="accent1">
+                    <a:lumMod val="75000"/>
+                  </a:schemeClr>
+                </a:solidFill>
+              </a:rPr>
+              <a:t>’)</a:t>
+            </a:r>
+          </a:p>
+          <a:p>
+            <a:pPr>
+              <a:buNone/>
+            </a:pPr>
+            <a:r>
+              <a:rPr lang="fr-FR" dirty="0" smtClean="0">
+                <a:solidFill>
+                  <a:schemeClr val="accent1">
+                    <a:lumMod val="75000"/>
+                  </a:schemeClr>
+                </a:solidFill>
+              </a:rPr>
+              <a:t>	</a:t>
+            </a:r>
+            <a:r>
+              <a:rPr lang="fr-FR" dirty="0" smtClean="0">
+                <a:solidFill>
+                  <a:schemeClr val="accent1">
+                    <a:lumMod val="75000"/>
+                  </a:schemeClr>
+                </a:solidFill>
+              </a:rPr>
+              <a:t>.</a:t>
+            </a:r>
+            <a:r>
+              <a:rPr lang="fr-FR" dirty="0" err="1" smtClean="0">
+                <a:solidFill>
+                  <a:schemeClr val="accent1">
+                    <a:lumMod val="75000"/>
+                  </a:schemeClr>
+                </a:solidFill>
+              </a:rPr>
+              <a:t>success</a:t>
+            </a:r>
+            <a:r>
+              <a:rPr lang="fr-FR" dirty="0" smtClean="0">
+                <a:solidFill>
+                  <a:schemeClr val="accent1">
+                    <a:lumMod val="75000"/>
+                  </a:schemeClr>
+                </a:solidFill>
+              </a:rPr>
+              <a:t>(</a:t>
+            </a:r>
+            <a:r>
+              <a:rPr lang="fr-FR" dirty="0" err="1" smtClean="0">
+                <a:solidFill>
+                  <a:schemeClr val="accent1">
+                    <a:lumMod val="75000"/>
+                  </a:schemeClr>
+                </a:solidFill>
+              </a:rPr>
+              <a:t>function</a:t>
+            </a:r>
+            <a:r>
+              <a:rPr lang="fr-FR" dirty="0" smtClean="0">
+                <a:solidFill>
+                  <a:schemeClr val="accent1">
+                    <a:lumMod val="75000"/>
+                  </a:schemeClr>
+                </a:solidFill>
+              </a:rPr>
+              <a:t>(</a:t>
+            </a:r>
+            <a:r>
+              <a:rPr lang="fr-FR" dirty="0" err="1" smtClean="0">
+                <a:solidFill>
+                  <a:schemeClr val="accent1">
+                    <a:lumMod val="75000"/>
+                  </a:schemeClr>
+                </a:solidFill>
+              </a:rPr>
+              <a:t>res</a:t>
+            </a:r>
+            <a:r>
+              <a:rPr lang="fr-FR" dirty="0" smtClean="0">
+                <a:solidFill>
+                  <a:schemeClr val="accent1">
+                    <a:lumMod val="75000"/>
+                  </a:schemeClr>
+                </a:solidFill>
+              </a:rPr>
+              <a:t>){…})</a:t>
+            </a:r>
+          </a:p>
+          <a:p>
+            <a:pPr>
+              <a:buNone/>
+            </a:pPr>
+            <a:r>
+              <a:rPr lang="fr-FR" dirty="0" smtClean="0">
+                <a:solidFill>
+                  <a:schemeClr val="accent1">
+                    <a:lumMod val="75000"/>
+                  </a:schemeClr>
+                </a:solidFill>
+              </a:rPr>
+              <a:t>	</a:t>
+            </a:r>
+            <a:r>
+              <a:rPr lang="fr-FR" dirty="0" smtClean="0">
+                <a:solidFill>
+                  <a:schemeClr val="accent1">
+                    <a:lumMod val="75000"/>
+                  </a:schemeClr>
+                </a:solidFill>
+              </a:rPr>
+              <a:t>.</a:t>
+            </a:r>
+            <a:r>
+              <a:rPr lang="fr-FR" dirty="0" err="1" smtClean="0">
+                <a:solidFill>
+                  <a:schemeClr val="accent1">
+                    <a:lumMod val="75000"/>
+                  </a:schemeClr>
+                </a:solidFill>
+              </a:rPr>
+              <a:t>error</a:t>
+            </a:r>
+            <a:r>
+              <a:rPr lang="fr-FR" dirty="0" smtClean="0">
+                <a:solidFill>
+                  <a:schemeClr val="accent1">
+                    <a:lumMod val="75000"/>
+                  </a:schemeClr>
+                </a:solidFill>
+              </a:rPr>
+              <a:t>(</a:t>
+            </a:r>
+            <a:r>
+              <a:rPr lang="fr-FR" dirty="0" err="1" smtClean="0">
+                <a:solidFill>
+                  <a:schemeClr val="accent1">
+                    <a:lumMod val="75000"/>
+                  </a:schemeClr>
+                </a:solidFill>
+              </a:rPr>
+              <a:t>msg</a:t>
+            </a:r>
+            <a:r>
+              <a:rPr lang="fr-FR" dirty="0" smtClean="0">
+                <a:solidFill>
+                  <a:schemeClr val="accent1">
+                    <a:lumMod val="75000"/>
+                  </a:schemeClr>
+                </a:solidFill>
+              </a:rPr>
+              <a:t>, code</a:t>
+            </a:r>
+            <a:r>
+              <a:rPr lang="fr-FR" dirty="0" smtClean="0">
+                <a:solidFill>
+                  <a:schemeClr val="accent1">
+                    <a:lumMod val="75000"/>
+                  </a:schemeClr>
+                </a:solidFill>
+              </a:rPr>
+              <a:t>){…}</a:t>
+            </a:r>
+          </a:p>
+          <a:p>
+            <a:r>
+              <a:rPr lang="fr-FR" dirty="0" smtClean="0"/>
+              <a:t>Post</a:t>
+            </a:r>
+          </a:p>
+          <a:p>
+            <a:pPr>
+              <a:buNone/>
+            </a:pPr>
+            <a:r>
+              <a:rPr lang="fr-FR" dirty="0" smtClean="0">
+                <a:solidFill>
+                  <a:schemeClr val="accent1">
+                    <a:lumMod val="75000"/>
+                  </a:schemeClr>
+                </a:solidFill>
+              </a:rPr>
+              <a:t>$http.post(‘URL</a:t>
+            </a:r>
+            <a:r>
+              <a:rPr lang="fr-FR" dirty="0" smtClean="0">
+                <a:solidFill>
+                  <a:schemeClr val="accent1">
+                    <a:lumMod val="75000"/>
+                  </a:schemeClr>
+                </a:solidFill>
+              </a:rPr>
+              <a:t>’)</a:t>
+            </a:r>
+          </a:p>
+          <a:p>
+            <a:pPr>
+              <a:buNone/>
+            </a:pPr>
+            <a:r>
+              <a:rPr lang="fr-FR" dirty="0" smtClean="0">
+                <a:solidFill>
+                  <a:schemeClr val="accent1">
+                    <a:lumMod val="75000"/>
+                  </a:schemeClr>
+                </a:solidFill>
+              </a:rPr>
+              <a:t>	</a:t>
+            </a:r>
+            <a:r>
+              <a:rPr lang="fr-FR" dirty="0" smtClean="0">
+                <a:solidFill>
+                  <a:schemeClr val="accent1">
+                    <a:lumMod val="75000"/>
+                  </a:schemeClr>
+                </a:solidFill>
+              </a:rPr>
+              <a:t>.</a:t>
+            </a:r>
+            <a:r>
+              <a:rPr lang="fr-FR" dirty="0" err="1" smtClean="0">
+                <a:solidFill>
+                  <a:schemeClr val="accent1">
+                    <a:lumMod val="75000"/>
+                  </a:schemeClr>
+                </a:solidFill>
+              </a:rPr>
+              <a:t>success</a:t>
+            </a:r>
+            <a:r>
+              <a:rPr lang="fr-FR" dirty="0" smtClean="0">
+                <a:solidFill>
+                  <a:schemeClr val="accent1">
+                    <a:lumMod val="75000"/>
+                  </a:schemeClr>
+                </a:solidFill>
+              </a:rPr>
+              <a:t>(</a:t>
+            </a:r>
+            <a:r>
+              <a:rPr lang="fr-FR" dirty="0" err="1" smtClean="0">
+                <a:solidFill>
+                  <a:schemeClr val="accent1">
+                    <a:lumMod val="75000"/>
+                  </a:schemeClr>
+                </a:solidFill>
+              </a:rPr>
+              <a:t>function</a:t>
+            </a:r>
+            <a:r>
+              <a:rPr lang="fr-FR" dirty="0" smtClean="0">
+                <a:solidFill>
+                  <a:schemeClr val="accent1">
+                    <a:lumMod val="75000"/>
+                  </a:schemeClr>
+                </a:solidFill>
+              </a:rPr>
+              <a:t>(</a:t>
+            </a:r>
+            <a:r>
+              <a:rPr lang="fr-FR" dirty="0" err="1" smtClean="0">
+                <a:solidFill>
+                  <a:schemeClr val="accent1">
+                    <a:lumMod val="75000"/>
+                  </a:schemeClr>
+                </a:solidFill>
+              </a:rPr>
+              <a:t>res</a:t>
+            </a:r>
+            <a:r>
+              <a:rPr lang="fr-FR" dirty="0" smtClean="0">
+                <a:solidFill>
+                  <a:schemeClr val="accent1">
+                    <a:lumMod val="75000"/>
+                  </a:schemeClr>
+                </a:solidFill>
+              </a:rPr>
+              <a:t>){…})</a:t>
+            </a:r>
+          </a:p>
+          <a:p>
+            <a:pPr>
+              <a:buNone/>
+            </a:pPr>
+            <a:r>
+              <a:rPr lang="fr-FR" dirty="0" smtClean="0">
+                <a:solidFill>
+                  <a:schemeClr val="accent1">
+                    <a:lumMod val="75000"/>
+                  </a:schemeClr>
+                </a:solidFill>
+              </a:rPr>
+              <a:t>	</a:t>
+            </a:r>
+            <a:r>
+              <a:rPr lang="fr-FR" dirty="0" smtClean="0">
+                <a:solidFill>
+                  <a:schemeClr val="accent1">
+                    <a:lumMod val="75000"/>
+                  </a:schemeClr>
+                </a:solidFill>
+              </a:rPr>
+              <a:t>.</a:t>
             </a:r>
             <a:r>
               <a:rPr lang="fr-FR" dirty="0" err="1" smtClean="0">
@@ -8543,31 +9406,55 @@
         </p:nvSpPr>
         <p:spPr/>
         <p:txBody>
-          <a:bodyPr/>
+          <a:bodyPr>
+            <a:normAutofit/>
+          </a:bodyPr>
           <a:lstStyle/>
           <a:p>
             <a:r>
-              <a:rPr lang="fr-FR" dirty="0"/>
+              <a:rPr lang="fr-FR" dirty="0" smtClean="0"/>
+              <a:t>Modules</a:t>
+            </a:r>
+            <a:endParaRPr lang="fr-FR" dirty="0" smtClean="0"/>
+          </a:p>
+          <a:p>
+            <a:r>
+              <a:rPr lang="fr-FR" dirty="0" smtClean="0"/>
               <a:t>Expressions</a:t>
             </a:r>
           </a:p>
           <a:p>
             <a:r>
-              <a:rPr lang="fr-FR" dirty="0" smtClean="0"/>
-              <a:t>Modules</a:t>
-            </a:r>
-          </a:p>
-          <a:p>
-            <a:r>
-              <a:rPr lang="fr-FR" dirty="0" smtClean="0"/>
-              <a:t>Directives (1)</a:t>
-            </a:r>
-          </a:p>
-          <a:p>
-            <a:r>
-              <a:rPr lang="fr-FR" dirty="0" smtClean="0"/>
+              <a:rPr lang="fr-FR" u="sng" dirty="0" smtClean="0"/>
+              <a:t>Filtres</a:t>
+            </a:r>
+            <a:endParaRPr lang="fr-FR" u="sng" dirty="0" smtClean="0"/>
+          </a:p>
+          <a:p>
+            <a:r>
+              <a:rPr lang="fr-FR" u="sng" dirty="0" smtClean="0"/>
+              <a:t>Directives</a:t>
+            </a:r>
+          </a:p>
+          <a:p>
+            <a:r>
+              <a:rPr lang="fr-FR" dirty="0" smtClean="0"/>
+              <a:t>Events</a:t>
+            </a:r>
+            <a:endParaRPr lang="fr-FR" dirty="0" smtClean="0"/>
+          </a:p>
+          <a:p>
+            <a:r>
+              <a:rPr lang="fr-FR" u="sng" dirty="0" smtClean="0"/>
               <a:t>Contrôleurs</a:t>
             </a:r>
+          </a:p>
+          <a:p>
+            <a:r>
+              <a:rPr lang="fr-FR" u="sng" dirty="0" smtClean="0"/>
+              <a:t>Services</a:t>
+            </a:r>
+            <a:endParaRPr lang="fr-FR" u="sng" dirty="0" smtClean="0"/>
           </a:p>
           <a:p>
             <a:r>
@@ -8583,14 +9470,9 @@
           <a:p>
             <a:r>
               <a:rPr lang="fr-FR" dirty="0" smtClean="0"/>
-              <a:t>Filtres</a:t>
-            </a:r>
-          </a:p>
-          <a:p>
-            <a:r>
-              <a:rPr lang="fr-FR" dirty="0" smtClean="0"/>
               <a:t>HTTP</a:t>
             </a:r>
+            <a:endParaRPr lang="fr-FR" dirty="0" smtClean="0"/>
           </a:p>
           <a:p>
             <a:endParaRPr lang="fr-FR" dirty="0" smtClean="0"/>
@@ -8701,125 +9583,7 @@
           <a:p>
             <a:r>
               <a:rPr lang="fr-FR" dirty="0" smtClean="0"/>
-              <a:t>Expressions</a:t>
-            </a:r>
-            <a:endParaRPr lang="fr-FR" dirty="0"/>
-          </a:p>
-        </p:txBody>
-      </p:sp>
-      <p:sp>
-        <p:nvSpPr>
-          <p:cNvPr id="3" name="Espace réservé du contenu 2"/>
-          <p:cNvSpPr>
-            <a:spLocks noGrp="1"/>
-          </p:cNvSpPr>
-          <p:nvPr>
-            <p:ph idx="1"/>
-          </p:nvPr>
-        </p:nvSpPr>
-        <p:spPr/>
-        <p:txBody>
-          <a:bodyPr>
-            <a:normAutofit/>
-          </a:bodyPr>
-          <a:lstStyle/>
-          <a:p>
-            <a:r>
-              <a:rPr lang="fr-FR" dirty="0" smtClean="0"/>
-              <a:t>C’est une expression </a:t>
-            </a:r>
-            <a:r>
-              <a:rPr lang="fr-FR" dirty="0" err="1" smtClean="0"/>
-              <a:t>javascript</a:t>
-            </a:r>
-            <a:r>
-              <a:rPr lang="fr-FR" dirty="0" smtClean="0"/>
-              <a:t> exprimée entre {{…}} dans la vue (HTML) .</a:t>
-            </a:r>
-          </a:p>
-          <a:p>
-            <a:r>
-              <a:rPr lang="fr-FR" dirty="0" smtClean="0"/>
-              <a:t>Peux être placer partout dans le DOM de la vue.</a:t>
-            </a:r>
-          </a:p>
-          <a:p>
-            <a:pPr>
-              <a:buNone/>
-            </a:pPr>
-            <a:r>
-              <a:rPr lang="fr-FR" dirty="0" smtClean="0">
-                <a:solidFill>
-                  <a:srgbClr val="0070C0"/>
-                </a:solidFill>
-              </a:rPr>
-              <a:t>&lt;tag </a:t>
-            </a:r>
-            <a:r>
-              <a:rPr lang="fr-FR" dirty="0" err="1" smtClean="0">
-                <a:solidFill>
-                  <a:srgbClr val="0070C0"/>
-                </a:solidFill>
-              </a:rPr>
-              <a:t>attr</a:t>
-            </a:r>
-            <a:r>
-              <a:rPr lang="fr-FR" dirty="0" smtClean="0">
-                <a:solidFill>
-                  <a:srgbClr val="0070C0"/>
-                </a:solidFill>
-              </a:rPr>
-              <a:t>="{{</a:t>
-            </a:r>
-            <a:r>
-              <a:rPr lang="fr-FR" dirty="0" err="1" smtClean="0">
-                <a:solidFill>
-                  <a:srgbClr val="0070C0"/>
-                </a:solidFill>
-              </a:rPr>
-              <a:t>attrBinding</a:t>
-            </a:r>
-            <a:r>
-              <a:rPr lang="fr-FR" dirty="0" smtClean="0">
-                <a:solidFill>
-                  <a:srgbClr val="0070C0"/>
-                </a:solidFill>
-              </a:rPr>
-              <a:t>}}"&gt;{{</a:t>
-            </a:r>
-            <a:r>
-              <a:rPr lang="fr-FR" dirty="0" err="1" smtClean="0">
-                <a:solidFill>
-                  <a:srgbClr val="0070C0"/>
-                </a:solidFill>
-              </a:rPr>
-              <a:t>textBinding</a:t>
-            </a:r>
-            <a:r>
-              <a:rPr lang="fr-FR" dirty="0" smtClean="0">
-                <a:solidFill>
-                  <a:srgbClr val="0070C0"/>
-                </a:solidFill>
-              </a:rPr>
-              <a:t>}}&lt;/tag&gt;</a:t>
-            </a:r>
-          </a:p>
-          <a:p>
-            <a:endParaRPr lang="fr-FR" dirty="0" smtClean="0"/>
-          </a:p>
-          <a:p>
-            <a:endParaRPr lang="fr-FR" dirty="0" smtClean="0"/>
-          </a:p>
-          <a:p>
-            <a:endParaRPr lang="fr-FR" dirty="0" smtClean="0"/>
-          </a:p>
-          <a:p>
-            <a:endParaRPr lang="fr-FR" dirty="0" smtClean="0"/>
-          </a:p>
-          <a:p>
-            <a:r>
-              <a:rPr lang="fr-FR" dirty="0" smtClean="0"/>
-              <a:t>https://docs.angularjs.org/guide/expression</a:t>
+              <a:t>Modules</a:t>
             </a:r>
             <a:endParaRPr lang="fr-FR" dirty="0"/>
           </a:p>
@@ -8827,14 +9591,43 @@
       </p:sp>
       <p:pic>
         <p:nvPicPr>
-          <p:cNvPr id="4" name="Picture 2" descr="C:\Users\YA12ADAN\Desktop\angular\angularjs_logo.png"/>
+          <p:cNvPr id="6" name="Espace réservé du contenu 5"/>
+          <p:cNvPicPr>
+            <a:picLocks noGrp="1" noChangeAspect="1"/>
+          </p:cNvPicPr>
+          <p:nvPr>
+            <p:ph idx="1"/>
+          </p:nvPr>
+        </p:nvPicPr>
+        <p:blipFill>
+          <a:blip r:embed="rId2" cstate="print">
+            <a:extLst>
+              <a:ext uri="{28A0092B-C50C-407E-A947-70E740481C1C}">
+                <a14:useLocalDpi xmlns="" xmlns:a14="http://schemas.microsoft.com/office/drawing/2010/main" val="0"/>
+              </a:ext>
+            </a:extLst>
+          </a:blip>
+          <a:stretch>
+            <a:fillRect/>
+          </a:stretch>
+        </p:blipFill>
+        <p:spPr>
+          <a:xfrm>
+            <a:off x="2120610" y="3019095"/>
+            <a:ext cx="4902780" cy="2221572"/>
+          </a:xfrm>
+        </p:spPr>
+      </p:pic>
+      <p:pic>
+        <p:nvPicPr>
+          <p:cNvPr id="5" name="Picture 2" descr="C:\Users\YA12ADAN\Desktop\angular\angularjs_logo.png"/>
           <p:cNvPicPr>
             <a:picLocks noChangeAspect="1" noChangeArrowheads="1"/>
           </p:cNvPicPr>
           <p:nvPr/>
         </p:nvPicPr>
         <p:blipFill>
-          <a:blip r:embed="rId2" cstate="print"/>
+          <a:blip r:embed="rId3" cstate="print"/>
           <a:srcRect/>
           <a:stretch>
             <a:fillRect/>
@@ -8853,14 +9646,14 @@
       </p:pic>
       <p:pic>
         <p:nvPicPr>
-          <p:cNvPr id="6" name="Picture 2" descr="c:\users\moi\Desktop\maestro.png"/>
+          <p:cNvPr id="8" name="Picture 2" descr="c:\users\moi\Desktop\maestro.png"/>
           <p:cNvPicPr>
             <a:picLocks noChangeAspect="1" noChangeArrowheads="1"/>
           </p:cNvPicPr>
           <p:nvPr/>
         </p:nvPicPr>
         <p:blipFill>
-          <a:blip r:embed="rId3"/>
+          <a:blip r:embed="rId4"/>
           <a:srcRect/>
           <a:stretch>
             <a:fillRect/>

--- a/_ng.pptx
+++ b/_ng.pptx
@@ -6890,6 +6890,10 @@
           <a:bodyPr/>
           <a:lstStyle/>
           <a:p>
+            <a:r>
+              <a:rPr lang="fr-FR" dirty="0" smtClean="0"/>
+              <a:t>Services</a:t>
+            </a:r>
             <a:endParaRPr lang="fr-FR" dirty="0"/>
           </a:p>
         </p:txBody>
@@ -6953,6 +6957,13 @@
               <a:rPr lang="fr-FR" dirty="0" smtClean="0"/>
               <a:t>…</a:t>
             </a:r>
+          </a:p>
+          <a:p>
+            <a:r>
+              <a:rPr lang="fr-FR" dirty="0" smtClean="0"/>
+              <a:t>$scope</a:t>
+            </a:r>
+            <a:endParaRPr lang="fr-FR" dirty="0" smtClean="0"/>
           </a:p>
           <a:p>
             <a:r>
@@ -7538,6 +7549,24 @@
               </a:rPr>
               <a:t>’, </a:t>
             </a:r>
+            <a:endParaRPr lang="fr-FR" dirty="0" smtClean="0">
+              <a:solidFill>
+                <a:srgbClr val="00B050"/>
+              </a:solidFill>
+            </a:endParaRPr>
+          </a:p>
+          <a:p>
+            <a:pPr>
+              <a:buNone/>
+            </a:pPr>
+            <a:r>
+              <a:rPr lang="fr-FR" dirty="0" smtClean="0">
+                <a:solidFill>
+                  <a:srgbClr val="00B050"/>
+                </a:solidFill>
+              </a:rPr>
+              <a:t>	</a:t>
+            </a:r>
             <a:r>
               <a:rPr lang="fr-FR" dirty="0" err="1" smtClean="0">
                 <a:solidFill>
@@ -7547,30 +7576,47 @@
               <a:t>function</a:t>
             </a:r>
             <a:r>
+              <a:rPr lang="fr-FR" smtClean="0">
+                <a:solidFill>
+                  <a:srgbClr val="00B050"/>
+                </a:solidFill>
+              </a:rPr>
+              <a:t>($</a:t>
+            </a:r>
+            <a:r>
+              <a:rPr lang="fr-FR" dirty="0" err="1" smtClean="0">
+                <a:solidFill>
+                  <a:srgbClr val="00B050"/>
+                </a:solidFill>
+              </a:rPr>
+              <a:t>rootScope</a:t>
+            </a:r>
+            <a:r>
               <a:rPr lang="fr-FR" dirty="0" smtClean="0">
                 <a:solidFill>
                   <a:srgbClr val="00B050"/>
                 </a:solidFill>
               </a:rPr>
-              <a:t>($scope, $</a:t>
-            </a:r>
-            <a:r>
-              <a:rPr lang="fr-FR" dirty="0" err="1" smtClean="0">
+              <a:t>){…}</a:t>
+            </a:r>
+          </a:p>
+          <a:p>
+            <a:pPr>
+              <a:buNone/>
+            </a:pPr>
+            <a:r>
+              <a:rPr lang="fr-FR" dirty="0" smtClean="0">
                 <a:solidFill>
                   <a:srgbClr val="00B050"/>
                 </a:solidFill>
               </a:rPr>
-              <a:t>rootScope</a:t>
-            </a:r>
-            <a:r>
-              <a:rPr lang="fr-FR" dirty="0" smtClean="0">
-                <a:solidFill>
-                  <a:srgbClr val="00B050"/>
-                </a:solidFill>
-              </a:rPr>
-              <a:t>){…});</a:t>
-            </a:r>
-            <a:endParaRPr lang="fr-FR" dirty="0" smtClean="0"/>
+              <a:t>);</a:t>
+            </a:r>
+            <a:endParaRPr lang="fr-FR" dirty="0" smtClean="0">
+              <a:solidFill>
+                <a:srgbClr val="00B050"/>
+              </a:solidFill>
+            </a:endParaRPr>
           </a:p>
           <a:p>
             <a:pPr>

--- a/_ng.pptx
+++ b/_ng.pptx
@@ -6824,7 +6824,17 @@
           <a:p>
             <a:r>
               <a:rPr lang="fr-FR" dirty="0" smtClean="0"/>
-              <a:t>Un service est une Fonction/Objet </a:t>
+              <a:t>Un service est une Fonction/Objet qui offre un ensemble de traitements.</a:t>
+            </a:r>
+          </a:p>
+          <a:p>
+            <a:r>
+              <a:rPr lang="fr-FR" dirty="0" smtClean="0"/>
+              <a:t>La dépendance à un service doit être préciser avant </a:t>
+            </a:r>
+            <a:r>
+              <a:rPr lang="fr-FR" smtClean="0"/>
+              <a:t>son utilisation</a:t>
             </a:r>
             <a:endParaRPr lang="fr-FR" dirty="0" smtClean="0"/>
           </a:p>
@@ -6961,7 +6971,15 @@
           <a:p>
             <a:r>
               <a:rPr lang="fr-FR" dirty="0" smtClean="0"/>
-              <a:t>$scope</a:t>
+              <a:t>$</a:t>
+            </a:r>
+            <a:r>
+              <a:rPr lang="fr-FR" dirty="0" smtClean="0"/>
+              <a:t>scope / $</a:t>
+            </a:r>
+            <a:r>
+              <a:rPr lang="fr-FR" dirty="0" err="1" smtClean="0"/>
+              <a:t>rootScope</a:t>
             </a:r>
             <a:endParaRPr lang="fr-FR" dirty="0" smtClean="0"/>
           </a:p>
@@ -7576,7 +7594,7 @@
               <a:t>function</a:t>
             </a:r>
             <a:r>
-              <a:rPr lang="fr-FR" smtClean="0">
+              <a:rPr lang="fr-FR" dirty="0" smtClean="0">
                 <a:solidFill>
                   <a:srgbClr val="00B050"/>
                 </a:solidFill>
